--- a/exp_design/Exp_timeline.pptx
+++ b/exp_design/Exp_timeline.pptx
@@ -109,12 +109,12 @@
   <p:extLst>
     <p:ext uri="{EFAFB233-063F-42B5-8137-9DF3F51BA10A}">
       <p15:sldGuideLst xmlns:p15="http://schemas.microsoft.com/office/powerpoint/2012/main">
-        <p15:guide id="1" orient="horz" pos="3096" userDrawn="1">
+        <p15:guide id="1" orient="horz" pos="1128" userDrawn="1">
           <p15:clr>
             <a:srgbClr val="A4A3A4"/>
           </p15:clr>
         </p15:guide>
-        <p15:guide id="2" pos="3840" userDrawn="1">
+        <p15:guide id="2" pos="3504" userDrawn="1">
           <p15:clr>
             <a:srgbClr val="A4A3A4"/>
           </p15:clr>
@@ -123,6 +123,362 @@
     </p:ext>
   </p:extLst>
 </p:presentation>
+</file>
+
+<file path=ppt/revisionInfo.xml><?xml version="1.0" encoding="utf-8"?>
+<p1510:revInfo xmlns:a="http://schemas.openxmlformats.org/drawingml/2006/main" xmlns:r="http://schemas.openxmlformats.org/officeDocument/2006/relationships" xmlns:p1510="http://schemas.microsoft.com/office/powerpoint/2015/10/main">
+  <p1510:revLst>
+    <p1510:client id="{A6A2A601-E0F2-49C7-9339-691205876BEF}" v="10" dt="2022-09-16T14:34:21.018"/>
+  </p1510:revLst>
+</p1510:revInfo>
+</file>
+
+<file path=ppt/changesInfos/changesInfo1.xml><?xml version="1.0" encoding="utf-8"?>
+<pc:chgInfo xmlns:a="http://schemas.openxmlformats.org/drawingml/2006/main" xmlns:r="http://schemas.openxmlformats.org/officeDocument/2006/relationships" xmlns:ac="http://schemas.microsoft.com/office/drawing/2013/main/command" xmlns:pc="http://schemas.microsoft.com/office/powerpoint/2013/main/command">
+  <pc:docChgLst>
+    <pc:chgData name="Shelly Trigg" userId="cd0df884-05c1-481b-a1f7-883604879bba" providerId="ADAL" clId="{A6A2A601-E0F2-49C7-9339-691205876BEF}"/>
+    <pc:docChg chg="undo custSel modSld">
+      <pc:chgData name="Shelly Trigg" userId="cd0df884-05c1-481b-a1f7-883604879bba" providerId="ADAL" clId="{A6A2A601-E0F2-49C7-9339-691205876BEF}" dt="2022-09-16T14:34:32.815" v="119" actId="2711"/>
+      <pc:docMkLst>
+        <pc:docMk/>
+      </pc:docMkLst>
+      <pc:sldChg chg="addSp delSp modSp mod modTransition">
+        <pc:chgData name="Shelly Trigg" userId="cd0df884-05c1-481b-a1f7-883604879bba" providerId="ADAL" clId="{A6A2A601-E0F2-49C7-9339-691205876BEF}" dt="2022-09-16T14:34:32.815" v="119" actId="2711"/>
+        <pc:sldMkLst>
+          <pc:docMk/>
+          <pc:sldMk cId="1547926668" sldId="257"/>
+        </pc:sldMkLst>
+        <pc:spChg chg="add mod">
+          <ac:chgData name="Shelly Trigg" userId="cd0df884-05c1-481b-a1f7-883604879bba" providerId="ADAL" clId="{A6A2A601-E0F2-49C7-9339-691205876BEF}" dt="2022-09-16T14:33:16.227" v="110" actId="1076"/>
+          <ac:spMkLst>
+            <pc:docMk/>
+            <pc:sldMk cId="1547926668" sldId="257"/>
+            <ac:spMk id="3" creationId="{4941C6F3-3C5B-F3CD-3837-E3FAE67A53F8}"/>
+          </ac:spMkLst>
+        </pc:spChg>
+        <pc:spChg chg="mod">
+          <ac:chgData name="Shelly Trigg" userId="cd0df884-05c1-481b-a1f7-883604879bba" providerId="ADAL" clId="{A6A2A601-E0F2-49C7-9339-691205876BEF}" dt="2022-09-16T14:33:16.227" v="110" actId="1076"/>
+          <ac:spMkLst>
+            <pc:docMk/>
+            <pc:sldMk cId="1547926668" sldId="257"/>
+            <ac:spMk id="6" creationId="{5E285094-2A55-1A4D-A22D-C0DCACFFA31B}"/>
+          </ac:spMkLst>
+        </pc:spChg>
+        <pc:spChg chg="add mod">
+          <ac:chgData name="Shelly Trigg" userId="cd0df884-05c1-481b-a1f7-883604879bba" providerId="ADAL" clId="{A6A2A601-E0F2-49C7-9339-691205876BEF}" dt="2022-09-16T14:33:16.227" v="110" actId="1076"/>
+          <ac:spMkLst>
+            <pc:docMk/>
+            <pc:sldMk cId="1547926668" sldId="257"/>
+            <ac:spMk id="11" creationId="{5F09D3C5-8C1E-0D30-F154-93F626FD35DA}"/>
+          </ac:spMkLst>
+        </pc:spChg>
+        <pc:spChg chg="add mod">
+          <ac:chgData name="Shelly Trigg" userId="cd0df884-05c1-481b-a1f7-883604879bba" providerId="ADAL" clId="{A6A2A601-E0F2-49C7-9339-691205876BEF}" dt="2022-09-16T14:33:16.227" v="110" actId="1076"/>
+          <ac:spMkLst>
+            <pc:docMk/>
+            <pc:sldMk cId="1547926668" sldId="257"/>
+            <ac:spMk id="13" creationId="{41C747D1-C41D-744B-9B6D-30328B189B0D}"/>
+          </ac:spMkLst>
+        </pc:spChg>
+        <pc:spChg chg="mod">
+          <ac:chgData name="Shelly Trigg" userId="cd0df884-05c1-481b-a1f7-883604879bba" providerId="ADAL" clId="{A6A2A601-E0F2-49C7-9339-691205876BEF}" dt="2022-09-16T14:29:42.262" v="88" actId="404"/>
+          <ac:spMkLst>
+            <pc:docMk/>
+            <pc:sldMk cId="1547926668" sldId="257"/>
+            <ac:spMk id="14" creationId="{04FD96B4-E991-9B46-BB9C-1EBF11F46A86}"/>
+          </ac:spMkLst>
+        </pc:spChg>
+        <pc:spChg chg="mod">
+          <ac:chgData name="Shelly Trigg" userId="cd0df884-05c1-481b-a1f7-883604879bba" providerId="ADAL" clId="{A6A2A601-E0F2-49C7-9339-691205876BEF}" dt="2022-09-16T14:33:16.227" v="110" actId="1076"/>
+          <ac:spMkLst>
+            <pc:docMk/>
+            <pc:sldMk cId="1547926668" sldId="257"/>
+            <ac:spMk id="15" creationId="{DBB611D1-F5C5-8F4E-97BB-8B0C93FFFF0C}"/>
+          </ac:spMkLst>
+        </pc:spChg>
+        <pc:spChg chg="mod">
+          <ac:chgData name="Shelly Trigg" userId="cd0df884-05c1-481b-a1f7-883604879bba" providerId="ADAL" clId="{A6A2A601-E0F2-49C7-9339-691205876BEF}" dt="2022-09-16T14:33:16.227" v="110" actId="1076"/>
+          <ac:spMkLst>
+            <pc:docMk/>
+            <pc:sldMk cId="1547926668" sldId="257"/>
+            <ac:spMk id="16" creationId="{F17FF4B7-4A33-1D42-B879-B5FA84ABE6A1}"/>
+          </ac:spMkLst>
+        </pc:spChg>
+        <pc:spChg chg="add mod">
+          <ac:chgData name="Shelly Trigg" userId="cd0df884-05c1-481b-a1f7-883604879bba" providerId="ADAL" clId="{A6A2A601-E0F2-49C7-9339-691205876BEF}" dt="2022-09-16T14:34:32.815" v="119" actId="2711"/>
+          <ac:spMkLst>
+            <pc:docMk/>
+            <pc:sldMk cId="1547926668" sldId="257"/>
+            <ac:spMk id="20" creationId="{94C54143-FFD9-932F-48B8-2729B2F22A20}"/>
+          </ac:spMkLst>
+        </pc:spChg>
+        <pc:spChg chg="mod">
+          <ac:chgData name="Shelly Trigg" userId="cd0df884-05c1-481b-a1f7-883604879bba" providerId="ADAL" clId="{A6A2A601-E0F2-49C7-9339-691205876BEF}" dt="2022-09-16T14:33:16.227" v="110" actId="1076"/>
+          <ac:spMkLst>
+            <pc:docMk/>
+            <pc:sldMk cId="1547926668" sldId="257"/>
+            <ac:spMk id="38" creationId="{3228D601-09BF-934A-9D70-EA4C53E0FDEB}"/>
+          </ac:spMkLst>
+        </pc:spChg>
+        <pc:spChg chg="mod">
+          <ac:chgData name="Shelly Trigg" userId="cd0df884-05c1-481b-a1f7-883604879bba" providerId="ADAL" clId="{A6A2A601-E0F2-49C7-9339-691205876BEF}" dt="2022-09-16T14:33:16.227" v="110" actId="1076"/>
+          <ac:spMkLst>
+            <pc:docMk/>
+            <pc:sldMk cId="1547926668" sldId="257"/>
+            <ac:spMk id="43" creationId="{EE18779F-369C-F84F-BDBB-C9CD4078A3D5}"/>
+          </ac:spMkLst>
+        </pc:spChg>
+        <pc:spChg chg="mod">
+          <ac:chgData name="Shelly Trigg" userId="cd0df884-05c1-481b-a1f7-883604879bba" providerId="ADAL" clId="{A6A2A601-E0F2-49C7-9339-691205876BEF}" dt="2022-09-16T14:29:42.262" v="88" actId="404"/>
+          <ac:spMkLst>
+            <pc:docMk/>
+            <pc:sldMk cId="1547926668" sldId="257"/>
+            <ac:spMk id="57" creationId="{BAE00DFA-5D2B-CE4A-94C2-FDDE6DB20165}"/>
+          </ac:spMkLst>
+        </pc:spChg>
+        <pc:spChg chg="mod">
+          <ac:chgData name="Shelly Trigg" userId="cd0df884-05c1-481b-a1f7-883604879bba" providerId="ADAL" clId="{A6A2A601-E0F2-49C7-9339-691205876BEF}" dt="2022-09-16T14:29:42.262" v="88" actId="404"/>
+          <ac:spMkLst>
+            <pc:docMk/>
+            <pc:sldMk cId="1547926668" sldId="257"/>
+            <ac:spMk id="58" creationId="{67D32706-705A-764B-BAD2-7BCA487C6768}"/>
+          </ac:spMkLst>
+        </pc:spChg>
+        <pc:spChg chg="mod">
+          <ac:chgData name="Shelly Trigg" userId="cd0df884-05c1-481b-a1f7-883604879bba" providerId="ADAL" clId="{A6A2A601-E0F2-49C7-9339-691205876BEF}" dt="2022-09-16T14:29:42.262" v="88" actId="404"/>
+          <ac:spMkLst>
+            <pc:docMk/>
+            <pc:sldMk cId="1547926668" sldId="257"/>
+            <ac:spMk id="63" creationId="{8A9EBAB8-1BC5-854A-B031-DE08F957D4AD}"/>
+          </ac:spMkLst>
+        </pc:spChg>
+        <pc:spChg chg="mod">
+          <ac:chgData name="Shelly Trigg" userId="cd0df884-05c1-481b-a1f7-883604879bba" providerId="ADAL" clId="{A6A2A601-E0F2-49C7-9339-691205876BEF}" dt="2022-09-16T14:29:42.262" v="88" actId="404"/>
+          <ac:spMkLst>
+            <pc:docMk/>
+            <pc:sldMk cId="1547926668" sldId="257"/>
+            <ac:spMk id="64" creationId="{2F766305-0842-7949-B959-CFEB82F34500}"/>
+          </ac:spMkLst>
+        </pc:spChg>
+        <pc:spChg chg="mod">
+          <ac:chgData name="Shelly Trigg" userId="cd0df884-05c1-481b-a1f7-883604879bba" providerId="ADAL" clId="{A6A2A601-E0F2-49C7-9339-691205876BEF}" dt="2022-09-16T14:29:42.262" v="88" actId="404"/>
+          <ac:spMkLst>
+            <pc:docMk/>
+            <pc:sldMk cId="1547926668" sldId="257"/>
+            <ac:spMk id="67" creationId="{06F73F02-AC68-3745-82C5-534445E612B4}"/>
+          </ac:spMkLst>
+        </pc:spChg>
+        <pc:spChg chg="mod">
+          <ac:chgData name="Shelly Trigg" userId="cd0df884-05c1-481b-a1f7-883604879bba" providerId="ADAL" clId="{A6A2A601-E0F2-49C7-9339-691205876BEF}" dt="2022-09-16T14:29:42.262" v="88" actId="404"/>
+          <ac:spMkLst>
+            <pc:docMk/>
+            <pc:sldMk cId="1547926668" sldId="257"/>
+            <ac:spMk id="68" creationId="{CF12CBD2-2A5E-CA4C-B733-068EE45A4E36}"/>
+          </ac:spMkLst>
+        </pc:spChg>
+        <pc:spChg chg="mod">
+          <ac:chgData name="Shelly Trigg" userId="cd0df884-05c1-481b-a1f7-883604879bba" providerId="ADAL" clId="{A6A2A601-E0F2-49C7-9339-691205876BEF}" dt="2022-09-16T14:29:42.262" v="88" actId="404"/>
+          <ac:spMkLst>
+            <pc:docMk/>
+            <pc:sldMk cId="1547926668" sldId="257"/>
+            <ac:spMk id="71" creationId="{0075D1F2-6240-B64E-AAD7-69B23AC9EBCF}"/>
+          </ac:spMkLst>
+        </pc:spChg>
+        <pc:spChg chg="mod">
+          <ac:chgData name="Shelly Trigg" userId="cd0df884-05c1-481b-a1f7-883604879bba" providerId="ADAL" clId="{A6A2A601-E0F2-49C7-9339-691205876BEF}" dt="2022-09-16T14:29:42.262" v="88" actId="404"/>
+          <ac:spMkLst>
+            <pc:docMk/>
+            <pc:sldMk cId="1547926668" sldId="257"/>
+            <ac:spMk id="72" creationId="{B5835D88-2358-8C4C-AD2A-AAA90BBF510E}"/>
+          </ac:spMkLst>
+        </pc:spChg>
+        <pc:grpChg chg="mod">
+          <ac:chgData name="Shelly Trigg" userId="cd0df884-05c1-481b-a1f7-883604879bba" providerId="ADAL" clId="{A6A2A601-E0F2-49C7-9339-691205876BEF}" dt="2022-09-16T14:33:16.227" v="110" actId="1076"/>
+          <ac:grpSpMkLst>
+            <pc:docMk/>
+            <pc:sldMk cId="1547926668" sldId="257"/>
+            <ac:grpSpMk id="32" creationId="{970F637E-3023-8B43-A1F2-7557A0242BE9}"/>
+          </ac:grpSpMkLst>
+        </pc:grpChg>
+        <pc:grpChg chg="mod">
+          <ac:chgData name="Shelly Trigg" userId="cd0df884-05c1-481b-a1f7-883604879bba" providerId="ADAL" clId="{A6A2A601-E0F2-49C7-9339-691205876BEF}" dt="2022-09-16T14:33:16.227" v="110" actId="1076"/>
+          <ac:grpSpMkLst>
+            <pc:docMk/>
+            <pc:sldMk cId="1547926668" sldId="257"/>
+            <ac:grpSpMk id="51" creationId="{3D347063-4010-0345-9412-1B1ACA14A4F6}"/>
+          </ac:grpSpMkLst>
+        </pc:grpChg>
+        <pc:grpChg chg="mod">
+          <ac:chgData name="Shelly Trigg" userId="cd0df884-05c1-481b-a1f7-883604879bba" providerId="ADAL" clId="{A6A2A601-E0F2-49C7-9339-691205876BEF}" dt="2022-09-16T14:33:16.227" v="110" actId="1076"/>
+          <ac:grpSpMkLst>
+            <pc:docMk/>
+            <pc:sldMk cId="1547926668" sldId="257"/>
+            <ac:grpSpMk id="60" creationId="{BC4FF859-F860-594C-82AF-45880200F3DF}"/>
+          </ac:grpSpMkLst>
+        </pc:grpChg>
+        <pc:grpChg chg="mod">
+          <ac:chgData name="Shelly Trigg" userId="cd0df884-05c1-481b-a1f7-883604879bba" providerId="ADAL" clId="{A6A2A601-E0F2-49C7-9339-691205876BEF}" dt="2022-09-16T14:33:16.227" v="110" actId="1076"/>
+          <ac:grpSpMkLst>
+            <pc:docMk/>
+            <pc:sldMk cId="1547926668" sldId="257"/>
+            <ac:grpSpMk id="61" creationId="{B83F0271-A633-2343-A7DD-A2CD2B3E64BF}"/>
+          </ac:grpSpMkLst>
+        </pc:grpChg>
+        <pc:grpChg chg="mod">
+          <ac:chgData name="Shelly Trigg" userId="cd0df884-05c1-481b-a1f7-883604879bba" providerId="ADAL" clId="{A6A2A601-E0F2-49C7-9339-691205876BEF}" dt="2022-09-16T14:33:16.227" v="110" actId="1076"/>
+          <ac:grpSpMkLst>
+            <pc:docMk/>
+            <pc:sldMk cId="1547926668" sldId="257"/>
+            <ac:grpSpMk id="65" creationId="{697DB0D3-CDE0-1A44-9398-1F8D75DF216C}"/>
+          </ac:grpSpMkLst>
+        </pc:grpChg>
+        <pc:grpChg chg="mod">
+          <ac:chgData name="Shelly Trigg" userId="cd0df884-05c1-481b-a1f7-883604879bba" providerId="ADAL" clId="{A6A2A601-E0F2-49C7-9339-691205876BEF}" dt="2022-09-16T14:33:16.227" v="110" actId="1076"/>
+          <ac:grpSpMkLst>
+            <pc:docMk/>
+            <pc:sldMk cId="1547926668" sldId="257"/>
+            <ac:grpSpMk id="69" creationId="{FC001036-DECE-B249-82B6-B794C2A0F8CD}"/>
+          </ac:grpSpMkLst>
+        </pc:grpChg>
+        <pc:picChg chg="add del">
+          <ac:chgData name="Shelly Trigg" userId="cd0df884-05c1-481b-a1f7-883604879bba" providerId="ADAL" clId="{A6A2A601-E0F2-49C7-9339-691205876BEF}" dt="2022-09-16T14:32:59.667" v="109" actId="478"/>
+          <ac:picMkLst>
+            <pc:docMk/>
+            <pc:sldMk cId="1547926668" sldId="257"/>
+            <ac:picMk id="5" creationId="{AC2E85C9-1C2C-BA1B-7D6F-ABB3DEFADF1B}"/>
+          </ac:picMkLst>
+        </pc:picChg>
+        <pc:picChg chg="add mod">
+          <ac:chgData name="Shelly Trigg" userId="cd0df884-05c1-481b-a1f7-883604879bba" providerId="ADAL" clId="{A6A2A601-E0F2-49C7-9339-691205876BEF}" dt="2022-09-16T14:33:27.503" v="112" actId="1076"/>
+          <ac:picMkLst>
+            <pc:docMk/>
+            <pc:sldMk cId="1547926668" sldId="257"/>
+            <ac:picMk id="18" creationId="{CB5FB7A3-E0E4-187E-6727-9F36CAEA03CA}"/>
+          </ac:picMkLst>
+        </pc:picChg>
+        <pc:cxnChg chg="mod">
+          <ac:chgData name="Shelly Trigg" userId="cd0df884-05c1-481b-a1f7-883604879bba" providerId="ADAL" clId="{A6A2A601-E0F2-49C7-9339-691205876BEF}" dt="2022-09-16T14:33:16.227" v="110" actId="1076"/>
+          <ac:cxnSpMkLst>
+            <pc:docMk/>
+            <pc:sldMk cId="1547926668" sldId="257"/>
+            <ac:cxnSpMk id="7" creationId="{D1ED1C76-221B-054B-AFB0-F6B81345DC14}"/>
+          </ac:cxnSpMkLst>
+        </pc:cxnChg>
+        <pc:cxnChg chg="mod">
+          <ac:chgData name="Shelly Trigg" userId="cd0df884-05c1-481b-a1f7-883604879bba" providerId="ADAL" clId="{A6A2A601-E0F2-49C7-9339-691205876BEF}" dt="2022-09-16T14:33:16.227" v="110" actId="1076"/>
+          <ac:cxnSpMkLst>
+            <pc:docMk/>
+            <pc:sldMk cId="1547926668" sldId="257"/>
+            <ac:cxnSpMk id="8" creationId="{652BA5C1-0D3B-B944-AE39-3282EF131042}"/>
+          </ac:cxnSpMkLst>
+        </pc:cxnChg>
+        <pc:cxnChg chg="mod">
+          <ac:chgData name="Shelly Trigg" userId="cd0df884-05c1-481b-a1f7-883604879bba" providerId="ADAL" clId="{A6A2A601-E0F2-49C7-9339-691205876BEF}" dt="2022-09-16T14:33:16.227" v="110" actId="1076"/>
+          <ac:cxnSpMkLst>
+            <pc:docMk/>
+            <pc:sldMk cId="1547926668" sldId="257"/>
+            <ac:cxnSpMk id="19" creationId="{45979F25-E483-484F-943B-F84ABED7972F}"/>
+          </ac:cxnSpMkLst>
+        </pc:cxnChg>
+        <pc:cxnChg chg="mod">
+          <ac:chgData name="Shelly Trigg" userId="cd0df884-05c1-481b-a1f7-883604879bba" providerId="ADAL" clId="{A6A2A601-E0F2-49C7-9339-691205876BEF}" dt="2022-09-16T14:33:16.227" v="110" actId="1076"/>
+          <ac:cxnSpMkLst>
+            <pc:docMk/>
+            <pc:sldMk cId="1547926668" sldId="257"/>
+            <ac:cxnSpMk id="33" creationId="{6C390C92-932D-FF47-880D-8605BF047EB1}"/>
+          </ac:cxnSpMkLst>
+        </pc:cxnChg>
+        <pc:cxnChg chg="mod">
+          <ac:chgData name="Shelly Trigg" userId="cd0df884-05c1-481b-a1f7-883604879bba" providerId="ADAL" clId="{A6A2A601-E0F2-49C7-9339-691205876BEF}" dt="2022-09-16T14:33:16.227" v="110" actId="1076"/>
+          <ac:cxnSpMkLst>
+            <pc:docMk/>
+            <pc:sldMk cId="1547926668" sldId="257"/>
+            <ac:cxnSpMk id="34" creationId="{BBFA2CE2-E7B4-8549-8237-8D06C75D8854}"/>
+          </ac:cxnSpMkLst>
+        </pc:cxnChg>
+        <pc:cxnChg chg="mod">
+          <ac:chgData name="Shelly Trigg" userId="cd0df884-05c1-481b-a1f7-883604879bba" providerId="ADAL" clId="{A6A2A601-E0F2-49C7-9339-691205876BEF}" dt="2022-09-16T14:33:16.227" v="110" actId="1076"/>
+          <ac:cxnSpMkLst>
+            <pc:docMk/>
+            <pc:sldMk cId="1547926668" sldId="257"/>
+            <ac:cxnSpMk id="36" creationId="{3F04A79F-0011-774E-9F63-0E139BA598D0}"/>
+          </ac:cxnSpMkLst>
+        </pc:cxnChg>
+        <pc:cxnChg chg="mod">
+          <ac:chgData name="Shelly Trigg" userId="cd0df884-05c1-481b-a1f7-883604879bba" providerId="ADAL" clId="{A6A2A601-E0F2-49C7-9339-691205876BEF}" dt="2022-09-16T14:33:16.227" v="110" actId="1076"/>
+          <ac:cxnSpMkLst>
+            <pc:docMk/>
+            <pc:sldMk cId="1547926668" sldId="257"/>
+            <ac:cxnSpMk id="37" creationId="{775ECF31-DF0F-B246-893F-08E67F9C686D}"/>
+          </ac:cxnSpMkLst>
+        </pc:cxnChg>
+        <pc:cxnChg chg="mod">
+          <ac:chgData name="Shelly Trigg" userId="cd0df884-05c1-481b-a1f7-883604879bba" providerId="ADAL" clId="{A6A2A601-E0F2-49C7-9339-691205876BEF}" dt="2022-09-16T14:33:16.227" v="110" actId="1076"/>
+          <ac:cxnSpMkLst>
+            <pc:docMk/>
+            <pc:sldMk cId="1547926668" sldId="257"/>
+            <ac:cxnSpMk id="39" creationId="{2F647116-D208-8E40-B85A-F9E7DF836ADA}"/>
+          </ac:cxnSpMkLst>
+        </pc:cxnChg>
+        <pc:cxnChg chg="mod">
+          <ac:chgData name="Shelly Trigg" userId="cd0df884-05c1-481b-a1f7-883604879bba" providerId="ADAL" clId="{A6A2A601-E0F2-49C7-9339-691205876BEF}" dt="2022-09-16T14:33:16.227" v="110" actId="1076"/>
+          <ac:cxnSpMkLst>
+            <pc:docMk/>
+            <pc:sldMk cId="1547926668" sldId="257"/>
+            <ac:cxnSpMk id="41" creationId="{481FBA99-0D93-5C42-BDE7-86B4534D6712}"/>
+          </ac:cxnSpMkLst>
+        </pc:cxnChg>
+        <pc:cxnChg chg="mod">
+          <ac:chgData name="Shelly Trigg" userId="cd0df884-05c1-481b-a1f7-883604879bba" providerId="ADAL" clId="{A6A2A601-E0F2-49C7-9339-691205876BEF}" dt="2022-09-16T14:33:16.227" v="110" actId="1076"/>
+          <ac:cxnSpMkLst>
+            <pc:docMk/>
+            <pc:sldMk cId="1547926668" sldId="257"/>
+            <ac:cxnSpMk id="42" creationId="{1E9AE8BB-547E-7B4B-BB0A-1885F83EDFFF}"/>
+          </ac:cxnSpMkLst>
+        </pc:cxnChg>
+        <pc:cxnChg chg="mod">
+          <ac:chgData name="Shelly Trigg" userId="cd0df884-05c1-481b-a1f7-883604879bba" providerId="ADAL" clId="{A6A2A601-E0F2-49C7-9339-691205876BEF}" dt="2022-09-16T14:27:50.095" v="65" actId="1038"/>
+          <ac:cxnSpMkLst>
+            <pc:docMk/>
+            <pc:sldMk cId="1547926668" sldId="257"/>
+            <ac:cxnSpMk id="48" creationId="{A648CEDB-8857-F643-92E1-B944023D86AC}"/>
+          </ac:cxnSpMkLst>
+        </pc:cxnChg>
+        <pc:cxnChg chg="mod">
+          <ac:chgData name="Shelly Trigg" userId="cd0df884-05c1-481b-a1f7-883604879bba" providerId="ADAL" clId="{A6A2A601-E0F2-49C7-9339-691205876BEF}" dt="2022-09-16T14:27:01.216" v="52" actId="14100"/>
+          <ac:cxnSpMkLst>
+            <pc:docMk/>
+            <pc:sldMk cId="1547926668" sldId="257"/>
+            <ac:cxnSpMk id="50" creationId="{A6169167-5AC7-5749-9C6E-6F02250AA8E5}"/>
+          </ac:cxnSpMkLst>
+        </pc:cxnChg>
+      </pc:sldChg>
+      <pc:sldChg chg="delSp mod">
+        <pc:chgData name="Shelly Trigg" userId="cd0df884-05c1-481b-a1f7-883604879bba" providerId="ADAL" clId="{A6A2A601-E0F2-49C7-9339-691205876BEF}" dt="2022-09-16T14:28:28.269" v="77" actId="21"/>
+        <pc:sldMkLst>
+          <pc:docMk/>
+          <pc:sldMk cId="3727590823" sldId="258"/>
+        </pc:sldMkLst>
+        <pc:spChg chg="del">
+          <ac:chgData name="Shelly Trigg" userId="cd0df884-05c1-481b-a1f7-883604879bba" providerId="ADAL" clId="{A6A2A601-E0F2-49C7-9339-691205876BEF}" dt="2022-09-16T14:28:28.269" v="77" actId="21"/>
+          <ac:spMkLst>
+            <pc:docMk/>
+            <pc:sldMk cId="3727590823" sldId="258"/>
+            <ac:spMk id="2" creationId="{ED81C1CF-DB0D-584A-AC2D-65B5250021FD}"/>
+          </ac:spMkLst>
+        </pc:spChg>
+        <pc:picChg chg="del">
+          <ac:chgData name="Shelly Trigg" userId="cd0df884-05c1-481b-a1f7-883604879bba" providerId="ADAL" clId="{A6A2A601-E0F2-49C7-9339-691205876BEF}" dt="2022-09-16T14:28:21.766" v="76" actId="478"/>
+          <ac:picMkLst>
+            <pc:docMk/>
+            <pc:sldMk cId="3727590823" sldId="258"/>
+            <ac:picMk id="42" creationId="{E31BEF7D-DCA1-2746-9E0C-EC21C1073428}"/>
+          </ac:picMkLst>
+        </pc:picChg>
+      </pc:sldChg>
+    </pc:docChg>
+  </pc:docChgLst>
+</pc:chgInfo>
 </file>
 
 <file path=ppt/slideLayouts/slideLayout1.xml><?xml version="1.0" encoding="utf-8"?>
@@ -272,7 +628,7 @@
           <a:p>
             <a:fld id="{C6769C46-BD77-9342-9387-3AA41F68BEFD}" type="datetimeFigureOut">
               <a:rPr lang="en-US" smtClean="0"/>
-              <a:t>2/4/21</a:t>
+              <a:t>9/16/2022</a:t>
             </a:fld>
             <a:endParaRPr lang="en-US"/>
           </a:p>
@@ -470,7 +826,7 @@
           <a:p>
             <a:fld id="{C6769C46-BD77-9342-9387-3AA41F68BEFD}" type="datetimeFigureOut">
               <a:rPr lang="en-US" smtClean="0"/>
-              <a:t>2/4/21</a:t>
+              <a:t>9/16/2022</a:t>
             </a:fld>
             <a:endParaRPr lang="en-US"/>
           </a:p>
@@ -678,7 +1034,7 @@
           <a:p>
             <a:fld id="{C6769C46-BD77-9342-9387-3AA41F68BEFD}" type="datetimeFigureOut">
               <a:rPr lang="en-US" smtClean="0"/>
-              <a:t>2/4/21</a:t>
+              <a:t>9/16/2022</a:t>
             </a:fld>
             <a:endParaRPr lang="en-US"/>
           </a:p>
@@ -876,7 +1232,7 @@
           <a:p>
             <a:fld id="{C6769C46-BD77-9342-9387-3AA41F68BEFD}" type="datetimeFigureOut">
               <a:rPr lang="en-US" smtClean="0"/>
-              <a:t>2/4/21</a:t>
+              <a:t>9/16/2022</a:t>
             </a:fld>
             <a:endParaRPr lang="en-US"/>
           </a:p>
@@ -1151,7 +1507,7 @@
           <a:p>
             <a:fld id="{C6769C46-BD77-9342-9387-3AA41F68BEFD}" type="datetimeFigureOut">
               <a:rPr lang="en-US" smtClean="0"/>
-              <a:t>2/4/21</a:t>
+              <a:t>9/16/2022</a:t>
             </a:fld>
             <a:endParaRPr lang="en-US"/>
           </a:p>
@@ -1416,7 +1772,7 @@
           <a:p>
             <a:fld id="{C6769C46-BD77-9342-9387-3AA41F68BEFD}" type="datetimeFigureOut">
               <a:rPr lang="en-US" smtClean="0"/>
-              <a:t>2/4/21</a:t>
+              <a:t>9/16/2022</a:t>
             </a:fld>
             <a:endParaRPr lang="en-US"/>
           </a:p>
@@ -1828,7 +2184,7 @@
           <a:p>
             <a:fld id="{C6769C46-BD77-9342-9387-3AA41F68BEFD}" type="datetimeFigureOut">
               <a:rPr lang="en-US" smtClean="0"/>
-              <a:t>2/4/21</a:t>
+              <a:t>9/16/2022</a:t>
             </a:fld>
             <a:endParaRPr lang="en-US"/>
           </a:p>
@@ -1969,7 +2325,7 @@
           <a:p>
             <a:fld id="{C6769C46-BD77-9342-9387-3AA41F68BEFD}" type="datetimeFigureOut">
               <a:rPr lang="en-US" smtClean="0"/>
-              <a:t>2/4/21</a:t>
+              <a:t>9/16/2022</a:t>
             </a:fld>
             <a:endParaRPr lang="en-US"/>
           </a:p>
@@ -2082,7 +2438,7 @@
           <a:p>
             <a:fld id="{C6769C46-BD77-9342-9387-3AA41F68BEFD}" type="datetimeFigureOut">
               <a:rPr lang="en-US" smtClean="0"/>
-              <a:t>2/4/21</a:t>
+              <a:t>9/16/2022</a:t>
             </a:fld>
             <a:endParaRPr lang="en-US"/>
           </a:p>
@@ -2393,7 +2749,7 @@
           <a:p>
             <a:fld id="{C6769C46-BD77-9342-9387-3AA41F68BEFD}" type="datetimeFigureOut">
               <a:rPr lang="en-US" smtClean="0"/>
-              <a:t>2/4/21</a:t>
+              <a:t>9/16/2022</a:t>
             </a:fld>
             <a:endParaRPr lang="en-US"/>
           </a:p>
@@ -2681,7 +3037,7 @@
           <a:p>
             <a:fld id="{C6769C46-BD77-9342-9387-3AA41F68BEFD}" type="datetimeFigureOut">
               <a:rPr lang="en-US" smtClean="0"/>
-              <a:t>2/4/21</a:t>
+              <a:t>9/16/2022</a:t>
             </a:fld>
             <a:endParaRPr lang="en-US"/>
           </a:p>
@@ -2922,7 +3278,7 @@
           <a:p>
             <a:fld id="{C6769C46-BD77-9342-9387-3AA41F68BEFD}" type="datetimeFigureOut">
               <a:rPr lang="en-US" smtClean="0"/>
-              <a:t>2/4/21</a:t>
+              <a:t>9/16/2022</a:t>
             </a:fld>
             <a:endParaRPr lang="en-US"/>
           </a:p>
@@ -6071,8 +6427,8 @@
         </p:nvSpPr>
         <p:spPr>
           <a:xfrm>
-            <a:off x="3567476" y="1419468"/>
-            <a:ext cx="260802" cy="338554"/>
+            <a:off x="1218204" y="1230431"/>
+            <a:ext cx="260802" cy="307777"/>
           </a:xfrm>
           <a:prstGeom prst="rect">
             <a:avLst/>
@@ -6086,7 +6442,10 @@
           <a:lstStyle/>
           <a:p>
             <a:r>
-              <a:rPr lang="en-US" sz="1600" dirty="0"/>
+              <a:rPr lang="en-US" sz="1400" dirty="0">
+                <a:latin typeface="Arial" panose="020B0604020202020204" pitchFamily="34" charset="0"/>
+                <a:cs typeface="Arial" panose="020B0604020202020204" pitchFamily="34" charset="0"/>
+              </a:rPr>
               <a:t>0</a:t>
             </a:r>
           </a:p>
@@ -6108,7 +6467,7 @@
         </p:nvCxnSpPr>
         <p:spPr>
           <a:xfrm flipV="1">
-            <a:off x="3696696" y="1356252"/>
+            <a:off x="1347424" y="1167215"/>
             <a:ext cx="594360" cy="0"/>
           </a:xfrm>
           <a:prstGeom prst="line">
@@ -6151,7 +6510,7 @@
         </p:nvCxnSpPr>
         <p:spPr>
           <a:xfrm>
-            <a:off x="4199033" y="1356252"/>
+            <a:off x="1849761" y="1167215"/>
             <a:ext cx="3972907" cy="0"/>
           </a:xfrm>
           <a:prstGeom prst="line">
@@ -6192,7 +6551,7 @@
         </p:nvGrpSpPr>
         <p:grpSpPr>
           <a:xfrm>
-            <a:off x="3711451" y="1104531"/>
+            <a:off x="1362179" y="915494"/>
             <a:ext cx="4460489" cy="1088"/>
             <a:chOff x="3702024" y="1010261"/>
             <a:chExt cx="4460489" cy="1088"/>
@@ -6299,8 +6658,8 @@
         </p:nvSpPr>
         <p:spPr>
           <a:xfrm>
-            <a:off x="7388150" y="1419468"/>
-            <a:ext cx="588879" cy="338554"/>
+            <a:off x="5038878" y="1230431"/>
+            <a:ext cx="588879" cy="307777"/>
           </a:xfrm>
           <a:prstGeom prst="rect">
             <a:avLst/>
@@ -6314,7 +6673,10 @@
           <a:lstStyle/>
           <a:p>
             <a:r>
-              <a:rPr lang="en-US" sz="1600" dirty="0"/>
+              <a:rPr lang="en-US" sz="1400" dirty="0">
+                <a:latin typeface="Arial" panose="020B0604020202020204" pitchFamily="34" charset="0"/>
+                <a:cs typeface="Arial" panose="020B0604020202020204" pitchFamily="34" charset="0"/>
+              </a:rPr>
               <a:t>93</a:t>
             </a:r>
           </a:p>
@@ -6334,8 +6696,8 @@
         </p:nvSpPr>
         <p:spPr>
           <a:xfrm>
-            <a:off x="6200143" y="1419468"/>
-            <a:ext cx="546180" cy="338554"/>
+            <a:off x="3850871" y="1230431"/>
+            <a:ext cx="546180" cy="307777"/>
           </a:xfrm>
           <a:prstGeom prst="rect">
             <a:avLst/>
@@ -6349,14 +6711,23 @@
           <a:lstStyle/>
           <a:p>
             <a:r>
-              <a:rPr lang="en-US" sz="1600" dirty="0"/>
+              <a:rPr lang="en-US" sz="1400" dirty="0">
+                <a:latin typeface="Arial" panose="020B0604020202020204" pitchFamily="34" charset="0"/>
+                <a:cs typeface="Arial" panose="020B0604020202020204" pitchFamily="34" charset="0"/>
+              </a:rPr>
               <a:t>72</a:t>
             </a:r>
             <a:r>
-              <a:rPr lang="en-US" sz="1600" baseline="30000" dirty="0"/>
+              <a:rPr lang="en-US" sz="1400" baseline="30000" dirty="0">
+                <a:latin typeface="Arial" panose="020B0604020202020204" pitchFamily="34" charset="0"/>
+                <a:cs typeface="Arial" panose="020B0604020202020204" pitchFamily="34" charset="0"/>
+              </a:rPr>
               <a:t>*</a:t>
             </a:r>
-            <a:endParaRPr lang="en-US" sz="1600" dirty="0"/>
+            <a:endParaRPr lang="en-US" sz="1400" dirty="0">
+              <a:latin typeface="Arial" panose="020B0604020202020204" pitchFamily="34" charset="0"/>
+              <a:cs typeface="Arial" panose="020B0604020202020204" pitchFamily="34" charset="0"/>
+            </a:endParaRPr>
           </a:p>
         </p:txBody>
       </p:sp>
@@ -6376,7 +6747,7 @@
         </p:nvCxnSpPr>
         <p:spPr>
           <a:xfrm flipV="1">
-            <a:off x="3708739" y="996950"/>
+            <a:off x="1359467" y="807913"/>
             <a:ext cx="0" cy="457200"/>
           </a:xfrm>
           <a:prstGeom prst="line">
@@ -6419,7 +6790,7 @@
         </p:nvCxnSpPr>
         <p:spPr>
           <a:xfrm flipV="1">
-            <a:off x="6402053" y="996950"/>
+            <a:off x="4052781" y="807913"/>
             <a:ext cx="0" cy="457200"/>
           </a:xfrm>
           <a:prstGeom prst="line">
@@ -6462,7 +6833,7 @@
         </p:nvCxnSpPr>
         <p:spPr>
           <a:xfrm flipV="1">
-            <a:off x="7577580" y="1103674"/>
+            <a:off x="5228308" y="914637"/>
             <a:ext cx="594360" cy="0"/>
           </a:xfrm>
           <a:prstGeom prst="line">
@@ -6505,7 +6876,7 @@
         </p:nvCxnSpPr>
         <p:spPr>
           <a:xfrm flipV="1">
-            <a:off x="8175852" y="996950"/>
+            <a:off x="5826580" y="807913"/>
             <a:ext cx="0" cy="457200"/>
           </a:xfrm>
           <a:prstGeom prst="line">
@@ -6548,7 +6919,7 @@
         </p:nvCxnSpPr>
         <p:spPr>
           <a:xfrm flipV="1">
-            <a:off x="7581964" y="996950"/>
+            <a:off x="5232692" y="807913"/>
             <a:ext cx="0" cy="457200"/>
           </a:xfrm>
           <a:prstGeom prst="line">
@@ -6589,8 +6960,8 @@
         </p:nvSpPr>
         <p:spPr>
           <a:xfrm>
-            <a:off x="7952310" y="1419468"/>
-            <a:ext cx="646154" cy="338554"/>
+            <a:off x="5603038" y="1230431"/>
+            <a:ext cx="646154" cy="307777"/>
           </a:xfrm>
           <a:prstGeom prst="rect">
             <a:avLst/>
@@ -6604,14 +6975,23 @@
           <a:lstStyle/>
           <a:p>
             <a:r>
-              <a:rPr lang="en-US" sz="1600" dirty="0"/>
+              <a:rPr lang="en-US" sz="1400" dirty="0">
+                <a:latin typeface="Arial" panose="020B0604020202020204" pitchFamily="34" charset="0"/>
+                <a:cs typeface="Arial" panose="020B0604020202020204" pitchFamily="34" charset="0"/>
+              </a:rPr>
               <a:t>101</a:t>
             </a:r>
             <a:r>
-              <a:rPr lang="en-US" sz="1600" baseline="30000" dirty="0"/>
+              <a:rPr lang="en-US" sz="1400" baseline="30000" dirty="0">
+                <a:latin typeface="Arial" panose="020B0604020202020204" pitchFamily="34" charset="0"/>
+                <a:cs typeface="Arial" panose="020B0604020202020204" pitchFamily="34" charset="0"/>
+              </a:rPr>
               <a:t>*</a:t>
             </a:r>
-            <a:endParaRPr lang="en-US" sz="1600" dirty="0"/>
+            <a:endParaRPr lang="en-US" sz="1400" dirty="0">
+              <a:latin typeface="Arial" panose="020B0604020202020204" pitchFamily="34" charset="0"/>
+              <a:cs typeface="Arial" panose="020B0604020202020204" pitchFamily="34" charset="0"/>
+            </a:endParaRPr>
           </a:p>
         </p:txBody>
       </p:sp>
@@ -6631,7 +7011,7 @@
         </p:nvCxnSpPr>
         <p:spPr>
           <a:xfrm>
-            <a:off x="2648932" y="1356252"/>
+            <a:off x="299660" y="1167215"/>
             <a:ext cx="1055644" cy="0"/>
           </a:xfrm>
           <a:prstGeom prst="line">
@@ -6674,7 +7054,7 @@
         </p:nvCxnSpPr>
         <p:spPr>
           <a:xfrm>
-            <a:off x="2653818" y="1106507"/>
+            <a:off x="304546" y="917470"/>
             <a:ext cx="1055644" cy="0"/>
           </a:xfrm>
           <a:prstGeom prst="line">
@@ -6717,7 +7097,7 @@
         </p:nvCxnSpPr>
         <p:spPr>
           <a:xfrm flipV="1">
-            <a:off x="2651537" y="996950"/>
+            <a:off x="302265" y="807913"/>
             <a:ext cx="0" cy="457200"/>
           </a:xfrm>
           <a:prstGeom prst="line">
@@ -6758,8 +7138,8 @@
         </p:nvSpPr>
         <p:spPr>
           <a:xfrm>
-            <a:off x="2400474" y="1419468"/>
-            <a:ext cx="592165" cy="338554"/>
+            <a:off x="51202" y="1230431"/>
+            <a:ext cx="592165" cy="307777"/>
           </a:xfrm>
           <a:prstGeom prst="rect">
             <a:avLst/>
@@ -6773,7 +7153,10 @@
           <a:lstStyle/>
           <a:p>
             <a:r>
-              <a:rPr lang="en-US" sz="1600" dirty="0"/>
+              <a:rPr lang="en-US" sz="1400" dirty="0">
+                <a:latin typeface="Arial" panose="020B0604020202020204" pitchFamily="34" charset="0"/>
+                <a:cs typeface="Arial" panose="020B0604020202020204" pitchFamily="34" charset="0"/>
+              </a:rPr>
               <a:t>-19</a:t>
             </a:r>
           </a:p>
@@ -6793,10 +7176,10 @@
         </p:nvGrpSpPr>
         <p:grpSpPr>
           <a:xfrm>
-            <a:off x="3821600" y="658334"/>
-            <a:ext cx="3263107" cy="276999"/>
-            <a:chOff x="3347471" y="2050924"/>
-            <a:chExt cx="3263107" cy="276999"/>
+            <a:off x="1529469" y="464894"/>
+            <a:ext cx="3910664" cy="261610"/>
+            <a:chOff x="3393560" y="2046521"/>
+            <a:chExt cx="3153921" cy="261610"/>
           </a:xfrm>
         </p:grpSpPr>
         <p:sp>
@@ -6813,8 +7196,8 @@
           </p:nvSpPr>
           <p:spPr>
             <a:xfrm>
-              <a:off x="3567476" y="2050924"/>
-              <a:ext cx="3043102" cy="276999"/>
+              <a:off x="3504379" y="2046521"/>
+              <a:ext cx="3043102" cy="261610"/>
             </a:xfrm>
             <a:prstGeom prst="rect">
               <a:avLst/>
@@ -6828,8 +7211,67 @@
             <a:lstStyle/>
             <a:p>
               <a:r>
-                <a:rPr lang="en-US" sz="1200" dirty="0"/>
-                <a:t>ambient pH (7.8)             low pH (6.8)</a:t>
+                <a:rPr lang="en-US" sz="1100" dirty="0">
+                  <a:latin typeface="Arial" panose="020B0604020202020204" pitchFamily="34" charset="0"/>
+                  <a:cs typeface="Arial" panose="020B0604020202020204" pitchFamily="34" charset="0"/>
+                </a:rPr>
+                <a:t>ambient </a:t>
+              </a:r>
+              <a:r>
+                <a:rPr lang="en-US" sz="1100" i="1" dirty="0">
+                  <a:latin typeface="Arial" panose="020B0604020202020204" pitchFamily="34" charset="0"/>
+                  <a:cs typeface="Arial" panose="020B0604020202020204" pitchFamily="34" charset="0"/>
+                </a:rPr>
+                <a:t>p</a:t>
+              </a:r>
+              <a:r>
+                <a:rPr lang="en-US" sz="1100" dirty="0">
+                  <a:latin typeface="Arial" panose="020B0604020202020204" pitchFamily="34" charset="0"/>
+                  <a:cs typeface="Arial" panose="020B0604020202020204" pitchFamily="34" charset="0"/>
+                </a:rPr>
+                <a:t>CO</a:t>
+              </a:r>
+              <a:r>
+                <a:rPr lang="en-US" sz="1100" baseline="-25000" dirty="0">
+                  <a:latin typeface="Arial" panose="020B0604020202020204" pitchFamily="34" charset="0"/>
+                  <a:cs typeface="Arial" panose="020B0604020202020204" pitchFamily="34" charset="0"/>
+                </a:rPr>
+                <a:t>2</a:t>
+              </a:r>
+              <a:r>
+                <a:rPr lang="en-US" sz="1100" dirty="0">
+                  <a:latin typeface="Arial" panose="020B0604020202020204" pitchFamily="34" charset="0"/>
+                  <a:cs typeface="Arial" panose="020B0604020202020204" pitchFamily="34" charset="0"/>
+                </a:rPr>
+                <a:t> (839 µatm)             low </a:t>
+              </a:r>
+              <a:r>
+                <a:rPr lang="en-US" sz="1100" i="1" dirty="0">
+                  <a:latin typeface="Arial" panose="020B0604020202020204" pitchFamily="34" charset="0"/>
+                  <a:cs typeface="Arial" panose="020B0604020202020204" pitchFamily="34" charset="0"/>
+                </a:rPr>
+                <a:t>p</a:t>
+              </a:r>
+              <a:r>
+                <a:rPr lang="en-US" sz="1100" dirty="0">
+                  <a:latin typeface="Arial" panose="020B0604020202020204" pitchFamily="34" charset="0"/>
+                  <a:cs typeface="Arial" panose="020B0604020202020204" pitchFamily="34" charset="0"/>
+                </a:rPr>
+                <a:t>CO</a:t>
+              </a:r>
+              <a:r>
+                <a:rPr lang="en-US" sz="1100" baseline="-25000" dirty="0">
+                  <a:latin typeface="Arial" panose="020B0604020202020204" pitchFamily="34" charset="0"/>
+                  <a:cs typeface="Arial" panose="020B0604020202020204" pitchFamily="34" charset="0"/>
+                </a:rPr>
+                <a:t>2</a:t>
+              </a:r>
+              <a:r>
+                <a:rPr lang="en-US" sz="1100" dirty="0">
+                  <a:latin typeface="Arial" panose="020B0604020202020204" pitchFamily="34" charset="0"/>
+                  <a:cs typeface="Arial" panose="020B0604020202020204" pitchFamily="34" charset="0"/>
+                </a:rPr>
+                <a:t> (5430 µatm)</a:t>
               </a:r>
             </a:p>
           </p:txBody>
@@ -6850,8 +7292,8 @@
           </p:nvCxnSpPr>
           <p:spPr>
             <a:xfrm>
-              <a:off x="3347471" y="2197621"/>
-              <a:ext cx="220005" cy="0"/>
+              <a:off x="3393560" y="2197621"/>
+              <a:ext cx="147491" cy="0"/>
             </a:xfrm>
             <a:prstGeom prst="line">
               <a:avLst/>
@@ -6893,8 +7335,8 @@
           </p:nvCxnSpPr>
           <p:spPr>
             <a:xfrm>
-              <a:off x="4887144" y="2195361"/>
-              <a:ext cx="220005" cy="0"/>
+              <a:off x="5040778" y="2195361"/>
+              <a:ext cx="147491" cy="0"/>
             </a:xfrm>
             <a:prstGeom prst="line">
               <a:avLst/>
@@ -6935,7 +7377,7 @@
         </p:nvGrpSpPr>
         <p:grpSpPr>
           <a:xfrm>
-            <a:off x="3127119" y="592883"/>
+            <a:off x="777847" y="403846"/>
             <a:ext cx="437940" cy="625314"/>
             <a:chOff x="2194561" y="663598"/>
             <a:chExt cx="437940" cy="625314"/>
@@ -6993,7 +7435,10 @@
             <a:lstStyle/>
             <a:p>
               <a:pPr algn="ctr"/>
-              <a:endParaRPr lang="en-US"/>
+              <a:endParaRPr lang="en-US" sz="1600">
+                <a:latin typeface="Arial" panose="020B0604020202020204" pitchFamily="34" charset="0"/>
+                <a:cs typeface="Arial" panose="020B0604020202020204" pitchFamily="34" charset="0"/>
+              </a:endParaRPr>
             </a:p>
           </p:txBody>
         </p:sp>
@@ -7062,7 +7507,7 @@
           <p:spPr>
             <a:xfrm>
               <a:off x="2194561" y="663598"/>
-              <a:ext cx="437940" cy="215444"/>
+              <a:ext cx="437940" cy="200055"/>
             </a:xfrm>
             <a:prstGeom prst="rect">
               <a:avLst/>
@@ -7076,7 +7521,10 @@
             <a:lstStyle/>
             <a:p>
               <a:r>
-                <a:rPr lang="en-US" sz="800" dirty="0"/>
+                <a:rPr lang="en-US" sz="700" dirty="0">
+                  <a:latin typeface="Arial" panose="020B0604020202020204" pitchFamily="34" charset="0"/>
+                  <a:cs typeface="Arial" panose="020B0604020202020204" pitchFamily="34" charset="0"/>
+                </a:rPr>
                 <a:t>n = 19</a:t>
               </a:r>
             </a:p>
@@ -7097,7 +7545,7 @@
         </p:nvGrpSpPr>
         <p:grpSpPr>
           <a:xfrm>
-            <a:off x="3136786" y="1245524"/>
+            <a:off x="787514" y="1056487"/>
             <a:ext cx="437940" cy="625314"/>
             <a:chOff x="2194561" y="663598"/>
             <a:chExt cx="437940" cy="625314"/>
@@ -7155,7 +7603,10 @@
             <a:lstStyle/>
             <a:p>
               <a:pPr algn="ctr"/>
-              <a:endParaRPr lang="en-US"/>
+              <a:endParaRPr lang="en-US" sz="1600">
+                <a:latin typeface="Arial" panose="020B0604020202020204" pitchFamily="34" charset="0"/>
+                <a:cs typeface="Arial" panose="020B0604020202020204" pitchFamily="34" charset="0"/>
+              </a:endParaRPr>
             </a:p>
           </p:txBody>
         </p:sp>
@@ -7224,7 +7675,7 @@
           <p:spPr>
             <a:xfrm>
               <a:off x="2194561" y="663598"/>
-              <a:ext cx="437940" cy="215444"/>
+              <a:ext cx="437940" cy="200055"/>
             </a:xfrm>
             <a:prstGeom prst="rect">
               <a:avLst/>
@@ -7238,7 +7689,10 @@
             <a:lstStyle/>
             <a:p>
               <a:r>
-                <a:rPr lang="en-US" sz="800" dirty="0"/>
+                <a:rPr lang="en-US" sz="700" dirty="0">
+                  <a:latin typeface="Arial" panose="020B0604020202020204" pitchFamily="34" charset="0"/>
+                  <a:cs typeface="Arial" panose="020B0604020202020204" pitchFamily="34" charset="0"/>
+                </a:rPr>
                 <a:t>n = 20</a:t>
               </a:r>
             </a:p>
@@ -7259,7 +7713,7 @@
         </p:nvGrpSpPr>
         <p:grpSpPr>
           <a:xfrm>
-            <a:off x="2805838" y="1245524"/>
+            <a:off x="456566" y="1056487"/>
             <a:ext cx="437940" cy="625314"/>
             <a:chOff x="2194561" y="663598"/>
             <a:chExt cx="437940" cy="625314"/>
@@ -7317,7 +7771,10 @@
             <a:lstStyle/>
             <a:p>
               <a:pPr algn="ctr"/>
-              <a:endParaRPr lang="en-US"/>
+              <a:endParaRPr lang="en-US" sz="1600">
+                <a:latin typeface="Arial" panose="020B0604020202020204" pitchFamily="34" charset="0"/>
+                <a:cs typeface="Arial" panose="020B0604020202020204" pitchFamily="34" charset="0"/>
+              </a:endParaRPr>
             </a:p>
           </p:txBody>
         </p:sp>
@@ -7386,7 +7843,7 @@
           <p:spPr>
             <a:xfrm>
               <a:off x="2194561" y="663598"/>
-              <a:ext cx="437940" cy="215444"/>
+              <a:ext cx="437940" cy="200055"/>
             </a:xfrm>
             <a:prstGeom prst="rect">
               <a:avLst/>
@@ -7400,7 +7857,10 @@
             <a:lstStyle/>
             <a:p>
               <a:r>
-                <a:rPr lang="en-US" sz="800" dirty="0"/>
+                <a:rPr lang="en-US" sz="700" dirty="0">
+                  <a:latin typeface="Arial" panose="020B0604020202020204" pitchFamily="34" charset="0"/>
+                  <a:cs typeface="Arial" panose="020B0604020202020204" pitchFamily="34" charset="0"/>
+                </a:rPr>
                 <a:t>n = 19</a:t>
               </a:r>
             </a:p>
@@ -7421,7 +7881,7 @@
         </p:nvGrpSpPr>
         <p:grpSpPr>
           <a:xfrm>
-            <a:off x="2796701" y="592883"/>
+            <a:off x="447429" y="403846"/>
             <a:ext cx="437940" cy="625314"/>
             <a:chOff x="2194561" y="663598"/>
             <a:chExt cx="437940" cy="625314"/>
@@ -7479,7 +7939,10 @@
             <a:lstStyle/>
             <a:p>
               <a:pPr algn="ctr"/>
-              <a:endParaRPr lang="en-US"/>
+              <a:endParaRPr lang="en-US" sz="1600">
+                <a:latin typeface="Arial" panose="020B0604020202020204" pitchFamily="34" charset="0"/>
+                <a:cs typeface="Arial" panose="020B0604020202020204" pitchFamily="34" charset="0"/>
+              </a:endParaRPr>
             </a:p>
           </p:txBody>
         </p:sp>
@@ -7548,7 +8011,7 @@
           <p:spPr>
             <a:xfrm>
               <a:off x="2194561" y="663598"/>
-              <a:ext cx="437940" cy="215444"/>
+              <a:ext cx="437940" cy="200055"/>
             </a:xfrm>
             <a:prstGeom prst="rect">
               <a:avLst/>
@@ -7562,13 +8025,212 @@
             <a:lstStyle/>
             <a:p>
               <a:r>
-                <a:rPr lang="en-US" sz="800" dirty="0"/>
+                <a:rPr lang="en-US" sz="700" dirty="0">
+                  <a:latin typeface="Arial" panose="020B0604020202020204" pitchFamily="34" charset="0"/>
+                  <a:cs typeface="Arial" panose="020B0604020202020204" pitchFamily="34" charset="0"/>
+                </a:rPr>
                 <a:t>n = 19</a:t>
               </a:r>
             </a:p>
           </p:txBody>
         </p:sp>
       </p:grpSp>
+      <p:sp>
+        <p:nvSpPr>
+          <p:cNvPr id="3" name="TextBox 2">
+            <a:extLst>
+              <a:ext uri="{FF2B5EF4-FFF2-40B4-BE49-F238E27FC236}">
+                <a16:creationId xmlns:a16="http://schemas.microsoft.com/office/drawing/2014/main" id="{4941C6F3-3C5B-F3CD-3837-E3FAE67A53F8}"/>
+              </a:ext>
+            </a:extLst>
+          </p:cNvPr>
+          <p:cNvSpPr txBox="1"/>
+          <p:nvPr/>
+        </p:nvSpPr>
+        <p:spPr>
+          <a:xfrm>
+            <a:off x="2902989" y="1416404"/>
+            <a:ext cx="508473" cy="276999"/>
+          </a:xfrm>
+          <a:prstGeom prst="rect">
+            <a:avLst/>
+          </a:prstGeom>
+          <a:noFill/>
+        </p:spPr>
+        <p:txBody>
+          <a:bodyPr wrap="none" rtlCol="0">
+            <a:spAutoFit/>
+          </a:bodyPr>
+          <a:lstStyle/>
+          <a:p>
+            <a:r>
+              <a:rPr lang="en-US" sz="1200" dirty="0">
+                <a:latin typeface="Arial" panose="020B0604020202020204" pitchFamily="34" charset="0"/>
+                <a:cs typeface="Arial" panose="020B0604020202020204" pitchFamily="34" charset="0"/>
+              </a:rPr>
+              <a:t>days</a:t>
+            </a:r>
+          </a:p>
+        </p:txBody>
+      </p:sp>
+      <p:sp>
+        <p:nvSpPr>
+          <p:cNvPr id="11" name="Rectangle 10">
+            <a:extLst>
+              <a:ext uri="{FF2B5EF4-FFF2-40B4-BE49-F238E27FC236}">
+                <a16:creationId xmlns:a16="http://schemas.microsoft.com/office/drawing/2014/main" id="{5F09D3C5-8C1E-0D30-F154-93F626FD35DA}"/>
+              </a:ext>
+            </a:extLst>
+          </p:cNvPr>
+          <p:cNvSpPr/>
+          <p:nvPr/>
+        </p:nvSpPr>
+        <p:spPr>
+          <a:xfrm>
+            <a:off x="1479006" y="285177"/>
+            <a:ext cx="3773255" cy="459521"/>
+          </a:xfrm>
+          <a:prstGeom prst="rect">
+            <a:avLst/>
+          </a:prstGeom>
+          <a:noFill/>
+          <a:ln w="3175">
+            <a:solidFill>
+              <a:schemeClr val="tx1"/>
+            </a:solidFill>
+          </a:ln>
+        </p:spPr>
+        <p:style>
+          <a:lnRef idx="2">
+            <a:schemeClr val="accent1">
+              <a:shade val="50000"/>
+            </a:schemeClr>
+          </a:lnRef>
+          <a:fillRef idx="1">
+            <a:schemeClr val="accent1"/>
+          </a:fillRef>
+          <a:effectRef idx="0">
+            <a:schemeClr val="accent1"/>
+          </a:effectRef>
+          <a:fontRef idx="minor">
+            <a:schemeClr val="lt1"/>
+          </a:fontRef>
+        </p:style>
+        <p:txBody>
+          <a:bodyPr rtlCol="0" anchor="ctr"/>
+          <a:lstStyle/>
+          <a:p>
+            <a:pPr algn="ctr"/>
+            <a:endParaRPr lang="en-US"/>
+          </a:p>
+        </p:txBody>
+      </p:sp>
+      <p:sp>
+        <p:nvSpPr>
+          <p:cNvPr id="13" name="TextBox 12">
+            <a:extLst>
+              <a:ext uri="{FF2B5EF4-FFF2-40B4-BE49-F238E27FC236}">
+                <a16:creationId xmlns:a16="http://schemas.microsoft.com/office/drawing/2014/main" id="{41C747D1-C41D-744B-9B6D-30328B189B0D}"/>
+              </a:ext>
+            </a:extLst>
+          </p:cNvPr>
+          <p:cNvSpPr txBox="1"/>
+          <p:nvPr/>
+        </p:nvSpPr>
+        <p:spPr>
+          <a:xfrm>
+            <a:off x="2859854" y="236536"/>
+            <a:ext cx="833883" cy="276999"/>
+          </a:xfrm>
+          <a:prstGeom prst="rect">
+            <a:avLst/>
+          </a:prstGeom>
+          <a:noFill/>
+        </p:spPr>
+        <p:txBody>
+          <a:bodyPr wrap="none" rtlCol="0">
+            <a:spAutoFit/>
+          </a:bodyPr>
+          <a:lstStyle/>
+          <a:p>
+            <a:r>
+              <a:rPr lang="en-US" sz="1200" dirty="0">
+                <a:latin typeface="Arial" panose="020B0604020202020204" pitchFamily="34" charset="0"/>
+                <a:cs typeface="Arial" panose="020B0604020202020204" pitchFamily="34" charset="0"/>
+              </a:rPr>
+              <a:t>treatment</a:t>
+            </a:r>
+          </a:p>
+        </p:txBody>
+      </p:sp>
+      <p:pic>
+        <p:nvPicPr>
+          <p:cNvPr id="18" name="Picture 17">
+            <a:extLst>
+              <a:ext uri="{FF2B5EF4-FFF2-40B4-BE49-F238E27FC236}">
+                <a16:creationId xmlns:a16="http://schemas.microsoft.com/office/drawing/2014/main" id="{CB5FB7A3-E0E4-187E-6727-9F36CAEA03CA}"/>
+              </a:ext>
+            </a:extLst>
+          </p:cNvPr>
+          <p:cNvPicPr>
+            <a:picLocks noChangeAspect="1"/>
+          </p:cNvPicPr>
+          <p:nvPr/>
+        </p:nvPicPr>
+        <p:blipFill>
+          <a:blip r:embed="rId4"/>
+          <a:stretch>
+            <a:fillRect/>
+          </a:stretch>
+        </p:blipFill>
+        <p:spPr>
+          <a:xfrm>
+            <a:off x="167565" y="3220827"/>
+            <a:ext cx="6218459" cy="1505843"/>
+          </a:xfrm>
+          <a:prstGeom prst="rect">
+            <a:avLst/>
+          </a:prstGeom>
+        </p:spPr>
+      </p:pic>
+      <p:sp>
+        <p:nvSpPr>
+          <p:cNvPr id="20" name="TextBox 19">
+            <a:extLst>
+              <a:ext uri="{FF2B5EF4-FFF2-40B4-BE49-F238E27FC236}">
+                <a16:creationId xmlns:a16="http://schemas.microsoft.com/office/drawing/2014/main" id="{94C54143-FFD9-932F-48B8-2729B2F22A20}"/>
+              </a:ext>
+            </a:extLst>
+          </p:cNvPr>
+          <p:cNvSpPr txBox="1"/>
+          <p:nvPr/>
+        </p:nvSpPr>
+        <p:spPr>
+          <a:xfrm>
+            <a:off x="188016" y="3134399"/>
+            <a:ext cx="2357970" cy="369332"/>
+          </a:xfrm>
+          <a:prstGeom prst="rect">
+            <a:avLst/>
+          </a:prstGeom>
+          <a:noFill/>
+        </p:spPr>
+        <p:txBody>
+          <a:bodyPr wrap="square" rtlCol="0">
+            <a:spAutoFit/>
+          </a:bodyPr>
+          <a:lstStyle/>
+          <a:p>
+            <a:r>
+              <a:rPr lang="en-US" b="1" dirty="0">
+                <a:latin typeface="Arial" panose="020B0604020202020204" pitchFamily="34" charset="0"/>
+                <a:cs typeface="Arial" panose="020B0604020202020204" pitchFamily="34" charset="0"/>
+              </a:rPr>
+              <a:t>A</a:t>
+            </a:r>
+          </a:p>
+        </p:txBody>
+      </p:sp>
     </p:spTree>
     <p:extLst>
       <p:ext uri="{BB962C8B-B14F-4D97-AF65-F5344CB8AC3E}">
@@ -7579,6 +8241,18 @@
   <p:clrMapOvr>
     <a:masterClrMapping/>
   </p:clrMapOvr>
+  <mc:AlternateContent xmlns:mc="http://schemas.openxmlformats.org/markup-compatibility/2006">
+    <mc:Choice xmlns:p14="http://schemas.microsoft.com/office/powerpoint/2010/main" Requires="p14">
+      <p:transition spd="med" p14:dur="700">
+        <p:fade/>
+      </p:transition>
+    </mc:Choice>
+    <mc:Fallback>
+      <p:transition spd="med">
+        <p:fade/>
+      </p:transition>
+    </mc:Fallback>
+  </mc:AlternateContent>
 </p:sld>
 </file>
 
@@ -7599,74 +8273,6 @@
           <a:chExt cx="0" cy="0"/>
         </a:xfrm>
       </p:grpSpPr>
-      <p:pic>
-        <p:nvPicPr>
-          <p:cNvPr id="42" name="Picture 41">
-            <a:extLst>
-              <a:ext uri="{FF2B5EF4-FFF2-40B4-BE49-F238E27FC236}">
-                <a16:creationId xmlns:a16="http://schemas.microsoft.com/office/drawing/2014/main" id="{E31BEF7D-DCA1-2746-9E0C-EC21C1073428}"/>
-              </a:ext>
-            </a:extLst>
-          </p:cNvPr>
-          <p:cNvPicPr>
-            <a:picLocks noChangeAspect="1"/>
-          </p:cNvPicPr>
-          <p:nvPr/>
-        </p:nvPicPr>
-        <p:blipFill>
-          <a:blip r:embed="rId2"/>
-          <a:stretch>
-            <a:fillRect/>
-          </a:stretch>
-        </p:blipFill>
-        <p:spPr>
-          <a:xfrm>
-            <a:off x="-204679" y="0"/>
-            <a:ext cx="12682039" cy="2608729"/>
-          </a:xfrm>
-          <a:prstGeom prst="rect">
-            <a:avLst/>
-          </a:prstGeom>
-        </p:spPr>
-      </p:pic>
-      <p:sp>
-        <p:nvSpPr>
-          <p:cNvPr id="2" name="TextBox 1">
-            <a:extLst>
-              <a:ext uri="{FF2B5EF4-FFF2-40B4-BE49-F238E27FC236}">
-                <a16:creationId xmlns:a16="http://schemas.microsoft.com/office/drawing/2014/main" id="{ED81C1CF-DB0D-584A-AC2D-65B5250021FD}"/>
-              </a:ext>
-            </a:extLst>
-          </p:cNvPr>
-          <p:cNvSpPr txBox="1"/>
-          <p:nvPr/>
-        </p:nvSpPr>
-        <p:spPr>
-          <a:xfrm>
-            <a:off x="5678257" y="2147064"/>
-            <a:ext cx="835485" cy="461665"/>
-          </a:xfrm>
-          <a:prstGeom prst="rect">
-            <a:avLst/>
-          </a:prstGeom>
-          <a:noFill/>
-        </p:spPr>
-        <p:txBody>
-          <a:bodyPr wrap="none" rtlCol="0">
-            <a:spAutoFit/>
-          </a:bodyPr>
-          <a:lstStyle/>
-          <a:p>
-            <a:r>
-              <a:rPr lang="en-US" sz="2400" dirty="0">
-                <a:latin typeface="Arial" panose="020B0604020202020204" pitchFamily="34" charset="0"/>
-                <a:cs typeface="Arial" panose="020B0604020202020204" pitchFamily="34" charset="0"/>
-              </a:rPr>
-              <a:t>days</a:t>
-            </a:r>
-          </a:p>
-        </p:txBody>
-      </p:sp>
     </p:spTree>
     <p:extLst>
       <p:ext uri="{BB962C8B-B14F-4D97-AF65-F5344CB8AC3E}">

--- a/exp_design/Exp_timeline.pptx
+++ b/exp_design/Exp_timeline.pptx
@@ -114,7 +114,7 @@
             <a:srgbClr val="A4A3A4"/>
           </p15:clr>
         </p15:guide>
-        <p15:guide id="2" pos="3504" userDrawn="1">
+        <p15:guide id="2" pos="7536" userDrawn="1">
           <p15:clr>
             <a:srgbClr val="A4A3A4"/>
           </p15:clr>
@@ -128,7 +128,7 @@
 <file path=ppt/revisionInfo.xml><?xml version="1.0" encoding="utf-8"?>
 <p1510:revInfo xmlns:a="http://schemas.openxmlformats.org/drawingml/2006/main" xmlns:r="http://schemas.openxmlformats.org/officeDocument/2006/relationships" xmlns:p1510="http://schemas.microsoft.com/office/powerpoint/2015/10/main">
   <p1510:revLst>
-    <p1510:client id="{A6A2A601-E0F2-49C7-9339-691205876BEF}" v="10" dt="2022-09-16T14:34:21.018"/>
+    <p1510:client id="{0F3B0580-BAF3-4688-9917-B85C6A34B497}" v="1" dt="2022-10-28T16:08:01.014"/>
   </p1510:revLst>
 </p1510:revInfo>
 </file>
@@ -138,12 +138,12 @@
   <pc:docChgLst>
     <pc:chgData name="Shelly Trigg" userId="cd0df884-05c1-481b-a1f7-883604879bba" providerId="ADAL" clId="{A6A2A601-E0F2-49C7-9339-691205876BEF}"/>
     <pc:docChg chg="undo custSel modSld">
-      <pc:chgData name="Shelly Trigg" userId="cd0df884-05c1-481b-a1f7-883604879bba" providerId="ADAL" clId="{A6A2A601-E0F2-49C7-9339-691205876BEF}" dt="2022-09-16T14:34:32.815" v="119" actId="2711"/>
+      <pc:chgData name="Shelly Trigg" userId="cd0df884-05c1-481b-a1f7-883604879bba" providerId="ADAL" clId="{A6A2A601-E0F2-49C7-9339-691205876BEF}" dt="2022-09-30T17:13:37.619" v="236" actId="20577"/>
       <pc:docMkLst>
         <pc:docMk/>
       </pc:docMkLst>
       <pc:sldChg chg="addSp delSp modSp mod modTransition">
-        <pc:chgData name="Shelly Trigg" userId="cd0df884-05c1-481b-a1f7-883604879bba" providerId="ADAL" clId="{A6A2A601-E0F2-49C7-9339-691205876BEF}" dt="2022-09-16T14:34:32.815" v="119" actId="2711"/>
+        <pc:chgData name="Shelly Trigg" userId="cd0df884-05c1-481b-a1f7-883604879bba" providerId="ADAL" clId="{A6A2A601-E0F2-49C7-9339-691205876BEF}" dt="2022-09-30T17:13:37.619" v="236" actId="20577"/>
         <pc:sldMkLst>
           <pc:docMk/>
           <pc:sldMk cId="1547926668" sldId="257"/>
@@ -156,6 +156,14 @@
             <ac:spMk id="3" creationId="{4941C6F3-3C5B-F3CD-3837-E3FAE67A53F8}"/>
           </ac:spMkLst>
         </pc:spChg>
+        <pc:spChg chg="add del mod">
+          <ac:chgData name="Shelly Trigg" userId="cd0df884-05c1-481b-a1f7-883604879bba" providerId="ADAL" clId="{A6A2A601-E0F2-49C7-9339-691205876BEF}" dt="2022-09-30T16:50:52.062" v="133"/>
+          <ac:spMkLst>
+            <pc:docMk/>
+            <pc:sldMk cId="1547926668" sldId="257"/>
+            <ac:spMk id="4" creationId="{2329694F-966E-CF63-2BD0-ABE831319195}"/>
+          </ac:spMkLst>
+        </pc:spChg>
         <pc:spChg chg="mod">
           <ac:chgData name="Shelly Trigg" userId="cd0df884-05c1-481b-a1f7-883604879bba" providerId="ADAL" clId="{A6A2A601-E0F2-49C7-9339-691205876BEF}" dt="2022-09-16T14:33:16.227" v="110" actId="1076"/>
           <ac:spMkLst>
@@ -165,7 +173,7 @@
           </ac:spMkLst>
         </pc:spChg>
         <pc:spChg chg="add mod">
-          <ac:chgData name="Shelly Trigg" userId="cd0df884-05c1-481b-a1f7-883604879bba" providerId="ADAL" clId="{A6A2A601-E0F2-49C7-9339-691205876BEF}" dt="2022-09-16T14:33:16.227" v="110" actId="1076"/>
+          <ac:chgData name="Shelly Trigg" userId="cd0df884-05c1-481b-a1f7-883604879bba" providerId="ADAL" clId="{A6A2A601-E0F2-49C7-9339-691205876BEF}" dt="2022-09-30T16:50:34.818" v="128" actId="14100"/>
           <ac:spMkLst>
             <pc:docMk/>
             <pc:sldMk cId="1547926668" sldId="257"/>
@@ -181,7 +189,7 @@
           </ac:spMkLst>
         </pc:spChg>
         <pc:spChg chg="mod">
-          <ac:chgData name="Shelly Trigg" userId="cd0df884-05c1-481b-a1f7-883604879bba" providerId="ADAL" clId="{A6A2A601-E0F2-49C7-9339-691205876BEF}" dt="2022-09-16T14:29:42.262" v="88" actId="404"/>
+          <ac:chgData name="Shelly Trigg" userId="cd0df884-05c1-481b-a1f7-883604879bba" providerId="ADAL" clId="{A6A2A601-E0F2-49C7-9339-691205876BEF}" dt="2022-09-30T15:27:45.095" v="126" actId="20577"/>
           <ac:spMkLst>
             <pc:docMk/>
             <pc:sldMk cId="1547926668" sldId="257"/>
@@ -205,11 +213,35 @@
           </ac:spMkLst>
         </pc:spChg>
         <pc:spChg chg="add mod">
-          <ac:chgData name="Shelly Trigg" userId="cd0df884-05c1-481b-a1f7-883604879bba" providerId="ADAL" clId="{A6A2A601-E0F2-49C7-9339-691205876BEF}" dt="2022-09-16T14:34:32.815" v="119" actId="2711"/>
+          <ac:chgData name="Shelly Trigg" userId="cd0df884-05c1-481b-a1f7-883604879bba" providerId="ADAL" clId="{A6A2A601-E0F2-49C7-9339-691205876BEF}" dt="2022-09-30T16:51:54.112" v="144" actId="20577"/>
           <ac:spMkLst>
             <pc:docMk/>
             <pc:sldMk cId="1547926668" sldId="257"/>
             <ac:spMk id="20" creationId="{94C54143-FFD9-932F-48B8-2729B2F22A20}"/>
+          </ac:spMkLst>
+        </pc:spChg>
+        <pc:spChg chg="add del mod">
+          <ac:chgData name="Shelly Trigg" userId="cd0df884-05c1-481b-a1f7-883604879bba" providerId="ADAL" clId="{A6A2A601-E0F2-49C7-9339-691205876BEF}" dt="2022-09-30T16:50:52.062" v="133"/>
+          <ac:spMkLst>
+            <pc:docMk/>
+            <pc:sldMk cId="1547926668" sldId="257"/>
+            <ac:spMk id="23" creationId="{E04B1BA9-3ED3-8492-50BE-70F43AF9ABD8}"/>
+          </ac:spMkLst>
+        </pc:spChg>
+        <pc:spChg chg="add del mod">
+          <ac:chgData name="Shelly Trigg" userId="cd0df884-05c1-481b-a1f7-883604879bba" providerId="ADAL" clId="{A6A2A601-E0F2-49C7-9339-691205876BEF}" dt="2022-09-30T16:50:52.062" v="133"/>
+          <ac:spMkLst>
+            <pc:docMk/>
+            <pc:sldMk cId="1547926668" sldId="257"/>
+            <ac:spMk id="24" creationId="{24D73C87-94CF-B647-76C1-ACEF5C6BD527}"/>
+          </ac:spMkLst>
+        </pc:spChg>
+        <pc:spChg chg="add del mod">
+          <ac:chgData name="Shelly Trigg" userId="cd0df884-05c1-481b-a1f7-883604879bba" providerId="ADAL" clId="{A6A2A601-E0F2-49C7-9339-691205876BEF}" dt="2022-09-30T16:50:52.062" v="133"/>
+          <ac:spMkLst>
+            <pc:docMk/>
+            <pc:sldMk cId="1547926668" sldId="257"/>
+            <ac:spMk id="30" creationId="{103BFB77-BEC3-9FC1-83F3-87AFD7A7DB9B}"/>
           </ac:spMkLst>
         </pc:spChg>
         <pc:spChg chg="mod">
@@ -226,6 +258,38 @@
             <pc:docMk/>
             <pc:sldMk cId="1547926668" sldId="257"/>
             <ac:spMk id="43" creationId="{EE18779F-369C-F84F-BDBB-C9CD4078A3D5}"/>
+          </ac:spMkLst>
+        </pc:spChg>
+        <pc:spChg chg="add del mod">
+          <ac:chgData name="Shelly Trigg" userId="cd0df884-05c1-481b-a1f7-883604879bba" providerId="ADAL" clId="{A6A2A601-E0F2-49C7-9339-691205876BEF}" dt="2022-09-30T16:50:52.062" v="133"/>
+          <ac:spMkLst>
+            <pc:docMk/>
+            <pc:sldMk cId="1547926668" sldId="257"/>
+            <ac:spMk id="44" creationId="{E1464EB8-23E4-75F2-905E-DFCECB04BE6D}"/>
+          </ac:spMkLst>
+        </pc:spChg>
+        <pc:spChg chg="mod">
+          <ac:chgData name="Shelly Trigg" userId="cd0df884-05c1-481b-a1f7-883604879bba" providerId="ADAL" clId="{A6A2A601-E0F2-49C7-9339-691205876BEF}" dt="2022-09-30T16:50:50.905" v="132"/>
+          <ac:spMkLst>
+            <pc:docMk/>
+            <pc:sldMk cId="1547926668" sldId="257"/>
+            <ac:spMk id="46" creationId="{ABDCAFDD-7F59-47DE-DCEA-42366431DB37}"/>
+          </ac:spMkLst>
+        </pc:spChg>
+        <pc:spChg chg="mod">
+          <ac:chgData name="Shelly Trigg" userId="cd0df884-05c1-481b-a1f7-883604879bba" providerId="ADAL" clId="{A6A2A601-E0F2-49C7-9339-691205876BEF}" dt="2022-09-30T16:50:50.905" v="132"/>
+          <ac:spMkLst>
+            <pc:docMk/>
+            <pc:sldMk cId="1547926668" sldId="257"/>
+            <ac:spMk id="53" creationId="{D67BC6CA-4F7E-4382-0068-B9A03952EE78}"/>
+          </ac:spMkLst>
+        </pc:spChg>
+        <pc:spChg chg="mod">
+          <ac:chgData name="Shelly Trigg" userId="cd0df884-05c1-481b-a1f7-883604879bba" providerId="ADAL" clId="{A6A2A601-E0F2-49C7-9339-691205876BEF}" dt="2022-09-30T16:50:50.905" v="132"/>
+          <ac:spMkLst>
+            <pc:docMk/>
+            <pc:sldMk cId="1547926668" sldId="257"/>
+            <ac:spMk id="56" creationId="{D414EE97-E013-6F56-1B45-DB2DA764FF68}"/>
           </ac:spMkLst>
         </pc:spChg>
         <pc:spChg chg="mod">
@@ -292,6 +356,102 @@
             <ac:spMk id="72" creationId="{B5835D88-2358-8C4C-AD2A-AAA90BBF510E}"/>
           </ac:spMkLst>
         </pc:spChg>
+        <pc:spChg chg="mod">
+          <ac:chgData name="Shelly Trigg" userId="cd0df884-05c1-481b-a1f7-883604879bba" providerId="ADAL" clId="{A6A2A601-E0F2-49C7-9339-691205876BEF}" dt="2022-09-30T16:50:50.905" v="132"/>
+          <ac:spMkLst>
+            <pc:docMk/>
+            <pc:sldMk cId="1547926668" sldId="257"/>
+            <ac:spMk id="73" creationId="{C695FCB8-E364-AF49-3E43-1FDE571D223A}"/>
+          </ac:spMkLst>
+        </pc:spChg>
+        <pc:spChg chg="mod">
+          <ac:chgData name="Shelly Trigg" userId="cd0df884-05c1-481b-a1f7-883604879bba" providerId="ADAL" clId="{A6A2A601-E0F2-49C7-9339-691205876BEF}" dt="2022-09-30T16:50:50.905" v="132"/>
+          <ac:spMkLst>
+            <pc:docMk/>
+            <pc:sldMk cId="1547926668" sldId="257"/>
+            <ac:spMk id="75" creationId="{17337320-A54C-01C3-9B7F-3C0041389B34}"/>
+          </ac:spMkLst>
+        </pc:spChg>
+        <pc:spChg chg="mod">
+          <ac:chgData name="Shelly Trigg" userId="cd0df884-05c1-481b-a1f7-883604879bba" providerId="ADAL" clId="{A6A2A601-E0F2-49C7-9339-691205876BEF}" dt="2022-09-30T16:50:50.905" v="132"/>
+          <ac:spMkLst>
+            <pc:docMk/>
+            <pc:sldMk cId="1547926668" sldId="257"/>
+            <ac:spMk id="77" creationId="{A8F47735-EF5F-5EA8-4AEB-9EDBB65D44B7}"/>
+          </ac:spMkLst>
+        </pc:spChg>
+        <pc:spChg chg="mod">
+          <ac:chgData name="Shelly Trigg" userId="cd0df884-05c1-481b-a1f7-883604879bba" providerId="ADAL" clId="{A6A2A601-E0F2-49C7-9339-691205876BEF}" dt="2022-09-30T16:50:50.905" v="132"/>
+          <ac:spMkLst>
+            <pc:docMk/>
+            <pc:sldMk cId="1547926668" sldId="257"/>
+            <ac:spMk id="79" creationId="{77E32512-3571-81FC-86A8-2A0104A84AEA}"/>
+          </ac:spMkLst>
+        </pc:spChg>
+        <pc:spChg chg="mod">
+          <ac:chgData name="Shelly Trigg" userId="cd0df884-05c1-481b-a1f7-883604879bba" providerId="ADAL" clId="{A6A2A601-E0F2-49C7-9339-691205876BEF}" dt="2022-09-30T16:50:50.905" v="132"/>
+          <ac:spMkLst>
+            <pc:docMk/>
+            <pc:sldMk cId="1547926668" sldId="257"/>
+            <ac:spMk id="81" creationId="{1B6EB4A3-DA1E-EFE5-42A9-61F6373EBA90}"/>
+          </ac:spMkLst>
+        </pc:spChg>
+        <pc:spChg chg="mod">
+          <ac:chgData name="Shelly Trigg" userId="cd0df884-05c1-481b-a1f7-883604879bba" providerId="ADAL" clId="{A6A2A601-E0F2-49C7-9339-691205876BEF}" dt="2022-09-30T16:50:50.905" v="132"/>
+          <ac:spMkLst>
+            <pc:docMk/>
+            <pc:sldMk cId="1547926668" sldId="257"/>
+            <ac:spMk id="83" creationId="{EFC0C505-E6BA-4279-C6DC-7527AEBBEF81}"/>
+          </ac:spMkLst>
+        </pc:spChg>
+        <pc:spChg chg="add del mod">
+          <ac:chgData name="Shelly Trigg" userId="cd0df884-05c1-481b-a1f7-883604879bba" providerId="ADAL" clId="{A6A2A601-E0F2-49C7-9339-691205876BEF}" dt="2022-09-30T16:50:52.062" v="133"/>
+          <ac:spMkLst>
+            <pc:docMk/>
+            <pc:sldMk cId="1547926668" sldId="257"/>
+            <ac:spMk id="84" creationId="{B6074132-0E2B-AF92-F90B-92EFF925CCAD}"/>
+          </ac:spMkLst>
+        </pc:spChg>
+        <pc:spChg chg="add del mod">
+          <ac:chgData name="Shelly Trigg" userId="cd0df884-05c1-481b-a1f7-883604879bba" providerId="ADAL" clId="{A6A2A601-E0F2-49C7-9339-691205876BEF}" dt="2022-09-30T16:50:52.062" v="133"/>
+          <ac:spMkLst>
+            <pc:docMk/>
+            <pc:sldMk cId="1547926668" sldId="257"/>
+            <ac:spMk id="85" creationId="{41C90866-7A2F-7852-B93B-07B12ECC5594}"/>
+          </ac:spMkLst>
+        </pc:spChg>
+        <pc:spChg chg="add del mod">
+          <ac:chgData name="Shelly Trigg" userId="cd0df884-05c1-481b-a1f7-883604879bba" providerId="ADAL" clId="{A6A2A601-E0F2-49C7-9339-691205876BEF}" dt="2022-09-30T16:50:52.062" v="133"/>
+          <ac:spMkLst>
+            <pc:docMk/>
+            <pc:sldMk cId="1547926668" sldId="257"/>
+            <ac:spMk id="86" creationId="{41B026B6-D8A0-4AB6-8E45-E0C992CEB1F4}"/>
+          </ac:spMkLst>
+        </pc:spChg>
+        <pc:spChg chg="add mod">
+          <ac:chgData name="Shelly Trigg" userId="cd0df884-05c1-481b-a1f7-883604879bba" providerId="ADAL" clId="{A6A2A601-E0F2-49C7-9339-691205876BEF}" dt="2022-09-30T16:51:56.976" v="146" actId="20577"/>
+          <ac:spMkLst>
+            <pc:docMk/>
+            <pc:sldMk cId="1547926668" sldId="257"/>
+            <ac:spMk id="88" creationId="{99C70DC4-8B23-9972-9233-69BED65C90C8}"/>
+          </ac:spMkLst>
+        </pc:spChg>
+        <pc:spChg chg="add mod">
+          <ac:chgData name="Shelly Trigg" userId="cd0df884-05c1-481b-a1f7-883604879bba" providerId="ADAL" clId="{A6A2A601-E0F2-49C7-9339-691205876BEF}" dt="2022-09-30T17:13:37.619" v="236" actId="20577"/>
+          <ac:spMkLst>
+            <pc:docMk/>
+            <pc:sldMk cId="1547926668" sldId="257"/>
+            <ac:spMk id="91" creationId="{9F9104E7-B12E-234A-A65C-1FD50111647A}"/>
+          </ac:spMkLst>
+        </pc:spChg>
+        <pc:grpChg chg="add del mod">
+          <ac:chgData name="Shelly Trigg" userId="cd0df884-05c1-481b-a1f7-883604879bba" providerId="ADAL" clId="{A6A2A601-E0F2-49C7-9339-691205876BEF}" dt="2022-09-30T16:50:52.062" v="133"/>
+          <ac:grpSpMkLst>
+            <pc:docMk/>
+            <pc:sldMk cId="1547926668" sldId="257"/>
+            <ac:grpSpMk id="17" creationId="{42249313-D03D-7394-490F-01F31992C163}"/>
+          </ac:grpSpMkLst>
+        </pc:grpChg>
         <pc:grpChg chg="mod">
           <ac:chgData name="Shelly Trigg" userId="cd0df884-05c1-481b-a1f7-883604879bba" providerId="ADAL" clId="{A6A2A601-E0F2-49C7-9339-691205876BEF}" dt="2022-09-16T14:33:16.227" v="110" actId="1076"/>
           <ac:grpSpMkLst>
@@ -300,12 +460,36 @@
             <ac:grpSpMk id="32" creationId="{970F637E-3023-8B43-A1F2-7557A0242BE9}"/>
           </ac:grpSpMkLst>
         </pc:grpChg>
+        <pc:grpChg chg="add del mod">
+          <ac:chgData name="Shelly Trigg" userId="cd0df884-05c1-481b-a1f7-883604879bba" providerId="ADAL" clId="{A6A2A601-E0F2-49C7-9339-691205876BEF}" dt="2022-09-30T16:50:52.062" v="133"/>
+          <ac:grpSpMkLst>
+            <pc:docMk/>
+            <pc:sldMk cId="1547926668" sldId="257"/>
+            <ac:grpSpMk id="45" creationId="{EEA4E600-92EE-46EB-DA54-A3CAAC24ABD5}"/>
+          </ac:grpSpMkLst>
+        </pc:grpChg>
         <pc:grpChg chg="mod">
           <ac:chgData name="Shelly Trigg" userId="cd0df884-05c1-481b-a1f7-883604879bba" providerId="ADAL" clId="{A6A2A601-E0F2-49C7-9339-691205876BEF}" dt="2022-09-16T14:33:16.227" v="110" actId="1076"/>
           <ac:grpSpMkLst>
             <pc:docMk/>
             <pc:sldMk cId="1547926668" sldId="257"/>
             <ac:grpSpMk id="51" creationId="{3D347063-4010-0345-9412-1B1ACA14A4F6}"/>
+          </ac:grpSpMkLst>
+        </pc:grpChg>
+        <pc:grpChg chg="add del mod">
+          <ac:chgData name="Shelly Trigg" userId="cd0df884-05c1-481b-a1f7-883604879bba" providerId="ADAL" clId="{A6A2A601-E0F2-49C7-9339-691205876BEF}" dt="2022-09-30T16:50:52.062" v="133"/>
+          <ac:grpSpMkLst>
+            <pc:docMk/>
+            <pc:sldMk cId="1547926668" sldId="257"/>
+            <ac:grpSpMk id="52" creationId="{5EFB7354-A59B-3BE9-FCD6-1F455F077F8D}"/>
+          </ac:grpSpMkLst>
+        </pc:grpChg>
+        <pc:grpChg chg="add del mod">
+          <ac:chgData name="Shelly Trigg" userId="cd0df884-05c1-481b-a1f7-883604879bba" providerId="ADAL" clId="{A6A2A601-E0F2-49C7-9339-691205876BEF}" dt="2022-09-30T16:50:52.062" v="133"/>
+          <ac:grpSpMkLst>
+            <pc:docMk/>
+            <pc:sldMk cId="1547926668" sldId="257"/>
+            <ac:grpSpMk id="59" creationId="{0FBB5300-4848-FADD-2E96-4EB5B97C528B}"/>
           </ac:grpSpMkLst>
         </pc:grpChg>
         <pc:grpChg chg="mod">
@@ -340,6 +524,30 @@
             <ac:grpSpMk id="69" creationId="{FC001036-DECE-B249-82B6-B794C2A0F8CD}"/>
           </ac:grpSpMkLst>
         </pc:grpChg>
+        <pc:grpChg chg="add del mod">
+          <ac:chgData name="Shelly Trigg" userId="cd0df884-05c1-481b-a1f7-883604879bba" providerId="ADAL" clId="{A6A2A601-E0F2-49C7-9339-691205876BEF}" dt="2022-09-30T16:50:52.062" v="133"/>
+          <ac:grpSpMkLst>
+            <pc:docMk/>
+            <pc:sldMk cId="1547926668" sldId="257"/>
+            <ac:grpSpMk id="76" creationId="{B0AA3F97-A642-7CBC-A5F2-8628D560E7B2}"/>
+          </ac:grpSpMkLst>
+        </pc:grpChg>
+        <pc:grpChg chg="add del mod">
+          <ac:chgData name="Shelly Trigg" userId="cd0df884-05c1-481b-a1f7-883604879bba" providerId="ADAL" clId="{A6A2A601-E0F2-49C7-9339-691205876BEF}" dt="2022-09-30T16:50:52.062" v="133"/>
+          <ac:grpSpMkLst>
+            <pc:docMk/>
+            <pc:sldMk cId="1547926668" sldId="257"/>
+            <ac:grpSpMk id="80" creationId="{A402D281-615F-2C3A-34D5-17F8C8CD07B2}"/>
+          </ac:grpSpMkLst>
+        </pc:grpChg>
+        <pc:picChg chg="add del mod">
+          <ac:chgData name="Shelly Trigg" userId="cd0df884-05c1-481b-a1f7-883604879bba" providerId="ADAL" clId="{A6A2A601-E0F2-49C7-9339-691205876BEF}" dt="2022-09-30T16:50:46.601" v="131" actId="478"/>
+          <ac:picMkLst>
+            <pc:docMk/>
+            <pc:sldMk cId="1547926668" sldId="257"/>
+            <ac:picMk id="2" creationId="{95F5C82B-5B32-3868-1B96-2F8471C583D6}"/>
+          </ac:picMkLst>
+        </pc:picChg>
         <pc:picChg chg="add del">
           <ac:chgData name="Shelly Trigg" userId="cd0df884-05c1-481b-a1f7-883604879bba" providerId="ADAL" clId="{A6A2A601-E0F2-49C7-9339-691205876BEF}" dt="2022-09-16T14:32:59.667" v="109" actId="478"/>
           <ac:picMkLst>
@@ -348,14 +556,70 @@
             <ac:picMk id="5" creationId="{AC2E85C9-1C2C-BA1B-7D6F-ABB3DEFADF1B}"/>
           </ac:picMkLst>
         </pc:picChg>
-        <pc:picChg chg="add mod">
-          <ac:chgData name="Shelly Trigg" userId="cd0df884-05c1-481b-a1f7-883604879bba" providerId="ADAL" clId="{A6A2A601-E0F2-49C7-9339-691205876BEF}" dt="2022-09-16T14:33:27.503" v="112" actId="1076"/>
+        <pc:picChg chg="add del mod">
+          <ac:chgData name="Shelly Trigg" userId="cd0df884-05c1-481b-a1f7-883604879bba" providerId="ADAL" clId="{A6A2A601-E0F2-49C7-9339-691205876BEF}" dt="2022-09-30T15:27:52.029" v="127" actId="478"/>
           <ac:picMkLst>
             <pc:docMk/>
             <pc:sldMk cId="1547926668" sldId="257"/>
             <ac:picMk id="18" creationId="{CB5FB7A3-E0E4-187E-6727-9F36CAEA03CA}"/>
           </ac:picMkLst>
         </pc:picChg>
+        <pc:picChg chg="mod">
+          <ac:chgData name="Shelly Trigg" userId="cd0df884-05c1-481b-a1f7-883604879bba" providerId="ADAL" clId="{A6A2A601-E0F2-49C7-9339-691205876BEF}" dt="2022-09-30T16:50:50.905" v="132"/>
+          <ac:picMkLst>
+            <pc:docMk/>
+            <pc:sldMk cId="1547926668" sldId="257"/>
+            <ac:picMk id="55" creationId="{FC510D2E-203A-6914-4291-F091CC8E771B}"/>
+          </ac:picMkLst>
+        </pc:picChg>
+        <pc:picChg chg="mod">
+          <ac:chgData name="Shelly Trigg" userId="cd0df884-05c1-481b-a1f7-883604879bba" providerId="ADAL" clId="{A6A2A601-E0F2-49C7-9339-691205876BEF}" dt="2022-09-30T16:50:50.905" v="132"/>
+          <ac:picMkLst>
+            <pc:docMk/>
+            <pc:sldMk cId="1547926668" sldId="257"/>
+            <ac:picMk id="74" creationId="{E2B56CDF-52EA-1264-B975-827AC0CADC7F}"/>
+          </ac:picMkLst>
+        </pc:picChg>
+        <pc:picChg chg="mod">
+          <ac:chgData name="Shelly Trigg" userId="cd0df884-05c1-481b-a1f7-883604879bba" providerId="ADAL" clId="{A6A2A601-E0F2-49C7-9339-691205876BEF}" dt="2022-09-30T16:50:50.905" v="132"/>
+          <ac:picMkLst>
+            <pc:docMk/>
+            <pc:sldMk cId="1547926668" sldId="257"/>
+            <ac:picMk id="78" creationId="{18E2ACE0-7D56-3675-F471-B40402495409}"/>
+          </ac:picMkLst>
+        </pc:picChg>
+        <pc:picChg chg="mod">
+          <ac:chgData name="Shelly Trigg" userId="cd0df884-05c1-481b-a1f7-883604879bba" providerId="ADAL" clId="{A6A2A601-E0F2-49C7-9339-691205876BEF}" dt="2022-09-30T16:50:50.905" v="132"/>
+          <ac:picMkLst>
+            <pc:docMk/>
+            <pc:sldMk cId="1547926668" sldId="257"/>
+            <ac:picMk id="82" creationId="{2F192D1B-A0E0-A986-8DE8-A4111908263B}"/>
+          </ac:picMkLst>
+        </pc:picChg>
+        <pc:picChg chg="add mod">
+          <ac:chgData name="Shelly Trigg" userId="cd0df884-05c1-481b-a1f7-883604879bba" providerId="ADAL" clId="{A6A2A601-E0F2-49C7-9339-691205876BEF}" dt="2022-09-30T16:51:36.193" v="136" actId="1076"/>
+          <ac:picMkLst>
+            <pc:docMk/>
+            <pc:sldMk cId="1547926668" sldId="257"/>
+            <ac:picMk id="87" creationId="{1E8DDBF0-E2CD-FF1A-8459-7F2DC04DC536}"/>
+          </ac:picMkLst>
+        </pc:picChg>
+        <pc:picChg chg="add mod ord">
+          <ac:chgData name="Shelly Trigg" userId="cd0df884-05c1-481b-a1f7-883604879bba" providerId="ADAL" clId="{A6A2A601-E0F2-49C7-9339-691205876BEF}" dt="2022-09-30T17:02:41.419" v="153" actId="14100"/>
+          <ac:picMkLst>
+            <pc:docMk/>
+            <pc:sldMk cId="1547926668" sldId="257"/>
+            <ac:picMk id="90" creationId="{10D9A5E9-EEB5-8FAF-5417-DA55790244AA}"/>
+          </ac:picMkLst>
+        </pc:picChg>
+        <pc:cxnChg chg="add del mod">
+          <ac:chgData name="Shelly Trigg" userId="cd0df884-05c1-481b-a1f7-883604879bba" providerId="ADAL" clId="{A6A2A601-E0F2-49C7-9339-691205876BEF}" dt="2022-09-30T16:50:52.062" v="133"/>
+          <ac:cxnSpMkLst>
+            <pc:docMk/>
+            <pc:sldMk cId="1547926668" sldId="257"/>
+            <ac:cxnSpMk id="5" creationId="{B6893DDB-1568-2ACA-70E1-AC38D48D7345}"/>
+          </ac:cxnSpMkLst>
+        </pc:cxnChg>
         <pc:cxnChg chg="mod">
           <ac:chgData name="Shelly Trigg" userId="cd0df884-05c1-481b-a1f7-883604879bba" providerId="ADAL" clId="{A6A2A601-E0F2-49C7-9339-691205876BEF}" dt="2022-09-16T14:33:16.227" v="110" actId="1076"/>
           <ac:cxnSpMkLst>
@@ -372,12 +636,84 @@
             <ac:cxnSpMk id="8" creationId="{652BA5C1-0D3B-B944-AE39-3282EF131042}"/>
           </ac:cxnSpMkLst>
         </pc:cxnChg>
+        <pc:cxnChg chg="add del mod">
+          <ac:chgData name="Shelly Trigg" userId="cd0df884-05c1-481b-a1f7-883604879bba" providerId="ADAL" clId="{A6A2A601-E0F2-49C7-9339-691205876BEF}" dt="2022-09-30T16:50:52.062" v="133"/>
+          <ac:cxnSpMkLst>
+            <pc:docMk/>
+            <pc:sldMk cId="1547926668" sldId="257"/>
+            <ac:cxnSpMk id="12" creationId="{F9747781-C4B9-1FCC-DC49-BCDE84F9ADE8}"/>
+          </ac:cxnSpMkLst>
+        </pc:cxnChg>
         <pc:cxnChg chg="mod">
           <ac:chgData name="Shelly Trigg" userId="cd0df884-05c1-481b-a1f7-883604879bba" providerId="ADAL" clId="{A6A2A601-E0F2-49C7-9339-691205876BEF}" dt="2022-09-16T14:33:16.227" v="110" actId="1076"/>
           <ac:cxnSpMkLst>
             <pc:docMk/>
             <pc:sldMk cId="1547926668" sldId="257"/>
             <ac:cxnSpMk id="19" creationId="{45979F25-E483-484F-943B-F84ABED7972F}"/>
+          </ac:cxnSpMkLst>
+        </pc:cxnChg>
+        <pc:cxnChg chg="mod">
+          <ac:chgData name="Shelly Trigg" userId="cd0df884-05c1-481b-a1f7-883604879bba" providerId="ADAL" clId="{A6A2A601-E0F2-49C7-9339-691205876BEF}" dt="2022-09-30T16:50:50.905" v="132"/>
+          <ac:cxnSpMkLst>
+            <pc:docMk/>
+            <pc:sldMk cId="1547926668" sldId="257"/>
+            <ac:cxnSpMk id="21" creationId="{4EF5FAAD-D210-0F7B-8B57-0B191B4A5D5E}"/>
+          </ac:cxnSpMkLst>
+        </pc:cxnChg>
+        <pc:cxnChg chg="mod">
+          <ac:chgData name="Shelly Trigg" userId="cd0df884-05c1-481b-a1f7-883604879bba" providerId="ADAL" clId="{A6A2A601-E0F2-49C7-9339-691205876BEF}" dt="2022-09-30T16:50:50.905" v="132"/>
+          <ac:cxnSpMkLst>
+            <pc:docMk/>
+            <pc:sldMk cId="1547926668" sldId="257"/>
+            <ac:cxnSpMk id="22" creationId="{BBD2D146-11A7-8AF3-F52B-0D85E443A6A6}"/>
+          </ac:cxnSpMkLst>
+        </pc:cxnChg>
+        <pc:cxnChg chg="add del mod">
+          <ac:chgData name="Shelly Trigg" userId="cd0df884-05c1-481b-a1f7-883604879bba" providerId="ADAL" clId="{A6A2A601-E0F2-49C7-9339-691205876BEF}" dt="2022-09-30T16:50:52.062" v="133"/>
+          <ac:cxnSpMkLst>
+            <pc:docMk/>
+            <pc:sldMk cId="1547926668" sldId="257"/>
+            <ac:cxnSpMk id="25" creationId="{E861BC0C-079A-0E9F-EE01-C35E592FEE8E}"/>
+          </ac:cxnSpMkLst>
+        </pc:cxnChg>
+        <pc:cxnChg chg="add del mod">
+          <ac:chgData name="Shelly Trigg" userId="cd0df884-05c1-481b-a1f7-883604879bba" providerId="ADAL" clId="{A6A2A601-E0F2-49C7-9339-691205876BEF}" dt="2022-09-30T16:50:52.062" v="133"/>
+          <ac:cxnSpMkLst>
+            <pc:docMk/>
+            <pc:sldMk cId="1547926668" sldId="257"/>
+            <ac:cxnSpMk id="26" creationId="{17241247-3751-16BB-C8C2-89D01BB3172D}"/>
+          </ac:cxnSpMkLst>
+        </pc:cxnChg>
+        <pc:cxnChg chg="add del mod">
+          <ac:chgData name="Shelly Trigg" userId="cd0df884-05c1-481b-a1f7-883604879bba" providerId="ADAL" clId="{A6A2A601-E0F2-49C7-9339-691205876BEF}" dt="2022-09-30T16:50:52.062" v="133"/>
+          <ac:cxnSpMkLst>
+            <pc:docMk/>
+            <pc:sldMk cId="1547926668" sldId="257"/>
+            <ac:cxnSpMk id="27" creationId="{A967E90F-993F-4389-D1B4-022B4D7CEC59}"/>
+          </ac:cxnSpMkLst>
+        </pc:cxnChg>
+        <pc:cxnChg chg="add del mod">
+          <ac:chgData name="Shelly Trigg" userId="cd0df884-05c1-481b-a1f7-883604879bba" providerId="ADAL" clId="{A6A2A601-E0F2-49C7-9339-691205876BEF}" dt="2022-09-30T16:50:52.062" v="133"/>
+          <ac:cxnSpMkLst>
+            <pc:docMk/>
+            <pc:sldMk cId="1547926668" sldId="257"/>
+            <ac:cxnSpMk id="28" creationId="{DE2445D2-5556-5B09-CFC9-09BE5A159585}"/>
+          </ac:cxnSpMkLst>
+        </pc:cxnChg>
+        <pc:cxnChg chg="add del mod">
+          <ac:chgData name="Shelly Trigg" userId="cd0df884-05c1-481b-a1f7-883604879bba" providerId="ADAL" clId="{A6A2A601-E0F2-49C7-9339-691205876BEF}" dt="2022-09-30T16:50:52.062" v="133"/>
+          <ac:cxnSpMkLst>
+            <pc:docMk/>
+            <pc:sldMk cId="1547926668" sldId="257"/>
+            <ac:cxnSpMk id="29" creationId="{8F244FA8-E332-D76D-C40E-5DDF138938F2}"/>
+          </ac:cxnSpMkLst>
+        </pc:cxnChg>
+        <pc:cxnChg chg="add del mod">
+          <ac:chgData name="Shelly Trigg" userId="cd0df884-05c1-481b-a1f7-883604879bba" providerId="ADAL" clId="{A6A2A601-E0F2-49C7-9339-691205876BEF}" dt="2022-09-30T16:50:52.062" v="133"/>
+          <ac:cxnSpMkLst>
+            <pc:docMk/>
+            <pc:sldMk cId="1547926668" sldId="257"/>
+            <ac:cxnSpMk id="31" creationId="{D781622A-94CA-B99D-DF94-2E4600C03B73}"/>
           </ac:cxnSpMkLst>
         </pc:cxnChg>
         <pc:cxnChg chg="mod">
@@ -394,6 +730,14 @@
             <pc:docMk/>
             <pc:sldMk cId="1547926668" sldId="257"/>
             <ac:cxnSpMk id="34" creationId="{BBFA2CE2-E7B4-8549-8237-8D06C75D8854}"/>
+          </ac:cxnSpMkLst>
+        </pc:cxnChg>
+        <pc:cxnChg chg="add del mod">
+          <ac:chgData name="Shelly Trigg" userId="cd0df884-05c1-481b-a1f7-883604879bba" providerId="ADAL" clId="{A6A2A601-E0F2-49C7-9339-691205876BEF}" dt="2022-09-30T16:50:52.062" v="133"/>
+          <ac:cxnSpMkLst>
+            <pc:docMk/>
+            <pc:sldMk cId="1547926668" sldId="257"/>
+            <ac:cxnSpMk id="35" creationId="{4D4E0E74-B054-C42B-F519-1671B0B9C530}"/>
           </ac:cxnSpMkLst>
         </pc:cxnChg>
         <pc:cxnChg chg="mod">
@@ -420,6 +764,14 @@
             <ac:cxnSpMk id="39" creationId="{2F647116-D208-8E40-B85A-F9E7DF836ADA}"/>
           </ac:cxnSpMkLst>
         </pc:cxnChg>
+        <pc:cxnChg chg="add del mod">
+          <ac:chgData name="Shelly Trigg" userId="cd0df884-05c1-481b-a1f7-883604879bba" providerId="ADAL" clId="{A6A2A601-E0F2-49C7-9339-691205876BEF}" dt="2022-09-30T16:50:52.062" v="133"/>
+          <ac:cxnSpMkLst>
+            <pc:docMk/>
+            <pc:sldMk cId="1547926668" sldId="257"/>
+            <ac:cxnSpMk id="40" creationId="{8A886131-FA13-E095-953D-753E171874BA}"/>
+          </ac:cxnSpMkLst>
+        </pc:cxnChg>
         <pc:cxnChg chg="mod">
           <ac:chgData name="Shelly Trigg" userId="cd0df884-05c1-481b-a1f7-883604879bba" providerId="ADAL" clId="{A6A2A601-E0F2-49C7-9339-691205876BEF}" dt="2022-09-16T14:33:16.227" v="110" actId="1076"/>
           <ac:cxnSpMkLst>
@@ -437,11 +789,27 @@
           </ac:cxnSpMkLst>
         </pc:cxnChg>
         <pc:cxnChg chg="mod">
+          <ac:chgData name="Shelly Trigg" userId="cd0df884-05c1-481b-a1f7-883604879bba" providerId="ADAL" clId="{A6A2A601-E0F2-49C7-9339-691205876BEF}" dt="2022-09-30T16:50:50.905" v="132"/>
+          <ac:cxnSpMkLst>
+            <pc:docMk/>
+            <pc:sldMk cId="1547926668" sldId="257"/>
+            <ac:cxnSpMk id="47" creationId="{1C29E765-BDE8-3360-3671-70DD478D704F}"/>
+          </ac:cxnSpMkLst>
+        </pc:cxnChg>
+        <pc:cxnChg chg="mod">
           <ac:chgData name="Shelly Trigg" userId="cd0df884-05c1-481b-a1f7-883604879bba" providerId="ADAL" clId="{A6A2A601-E0F2-49C7-9339-691205876BEF}" dt="2022-09-16T14:27:50.095" v="65" actId="1038"/>
           <ac:cxnSpMkLst>
             <pc:docMk/>
             <pc:sldMk cId="1547926668" sldId="257"/>
             <ac:cxnSpMk id="48" creationId="{A648CEDB-8857-F643-92E1-B944023D86AC}"/>
+          </ac:cxnSpMkLst>
+        </pc:cxnChg>
+        <pc:cxnChg chg="mod">
+          <ac:chgData name="Shelly Trigg" userId="cd0df884-05c1-481b-a1f7-883604879bba" providerId="ADAL" clId="{A6A2A601-E0F2-49C7-9339-691205876BEF}" dt="2022-09-30T16:50:50.905" v="132"/>
+          <ac:cxnSpMkLst>
+            <pc:docMk/>
+            <pc:sldMk cId="1547926668" sldId="257"/>
+            <ac:cxnSpMk id="49" creationId="{E4883112-D995-FE52-E797-7F7A790DF732}"/>
           </ac:cxnSpMkLst>
         </pc:cxnChg>
         <pc:cxnChg chg="mod">
@@ -473,6 +841,46 @@
             <pc:docMk/>
             <pc:sldMk cId="3727590823" sldId="258"/>
             <ac:picMk id="42" creationId="{E31BEF7D-DCA1-2746-9E0C-EC21C1073428}"/>
+          </ac:picMkLst>
+        </pc:picChg>
+      </pc:sldChg>
+    </pc:docChg>
+  </pc:docChgLst>
+  <pc:docChgLst>
+    <pc:chgData name="Shelly Trigg" userId="cd0df884-05c1-481b-a1f7-883604879bba" providerId="ADAL" clId="{0F3B0580-BAF3-4688-9917-B85C6A34B497}"/>
+    <pc:docChg chg="undo custSel modSld">
+      <pc:chgData name="Shelly Trigg" userId="cd0df884-05c1-481b-a1f7-883604879bba" providerId="ADAL" clId="{0F3B0580-BAF3-4688-9917-B85C6A34B497}" dt="2022-10-28T16:09:08.081" v="34" actId="14100"/>
+      <pc:docMkLst>
+        <pc:docMk/>
+      </pc:docMkLst>
+      <pc:sldChg chg="addSp delSp modSp mod">
+        <pc:chgData name="Shelly Trigg" userId="cd0df884-05c1-481b-a1f7-883604879bba" providerId="ADAL" clId="{0F3B0580-BAF3-4688-9917-B85C6A34B497}" dt="2022-10-28T16:09:08.081" v="34" actId="14100"/>
+        <pc:sldMkLst>
+          <pc:docMk/>
+          <pc:sldMk cId="1547926668" sldId="257"/>
+        </pc:sldMkLst>
+        <pc:spChg chg="mod">
+          <ac:chgData name="Shelly Trigg" userId="cd0df884-05c1-481b-a1f7-883604879bba" providerId="ADAL" clId="{0F3B0580-BAF3-4688-9917-B85C6A34B497}" dt="2022-10-28T16:02:44.655" v="11" actId="20577"/>
+          <ac:spMkLst>
+            <pc:docMk/>
+            <pc:sldMk cId="1547926668" sldId="257"/>
+            <ac:spMk id="91" creationId="{9F9104E7-B12E-234A-A65C-1FD50111647A}"/>
+          </ac:spMkLst>
+        </pc:spChg>
+        <pc:picChg chg="add mod ord">
+          <ac:chgData name="Shelly Trigg" userId="cd0df884-05c1-481b-a1f7-883604879bba" providerId="ADAL" clId="{0F3B0580-BAF3-4688-9917-B85C6A34B497}" dt="2022-10-28T16:09:08.081" v="34" actId="14100"/>
+          <ac:picMkLst>
+            <pc:docMk/>
+            <pc:sldMk cId="1547926668" sldId="257"/>
+            <ac:picMk id="4" creationId="{9180A50A-F928-83C6-FF1E-E7DC00BC63B4}"/>
+          </ac:picMkLst>
+        </pc:picChg>
+        <pc:picChg chg="add del mod">
+          <ac:chgData name="Shelly Trigg" userId="cd0df884-05c1-481b-a1f7-883604879bba" providerId="ADAL" clId="{0F3B0580-BAF3-4688-9917-B85C6A34B497}" dt="2022-10-28T16:08:25.689" v="21" actId="478"/>
+          <ac:picMkLst>
+            <pc:docMk/>
+            <pc:sldMk cId="1547926668" sldId="257"/>
+            <ac:picMk id="90" creationId="{10D9A5E9-EEB5-8FAF-5417-DA55790244AA}"/>
           </ac:picMkLst>
         </pc:picChg>
       </pc:sldChg>
@@ -628,7 +1036,7 @@
           <a:p>
             <a:fld id="{C6769C46-BD77-9342-9387-3AA41F68BEFD}" type="datetimeFigureOut">
               <a:rPr lang="en-US" smtClean="0"/>
-              <a:t>9/16/2022</a:t>
+              <a:t>10/28/2022</a:t>
             </a:fld>
             <a:endParaRPr lang="en-US"/>
           </a:p>
@@ -826,7 +1234,7 @@
           <a:p>
             <a:fld id="{C6769C46-BD77-9342-9387-3AA41F68BEFD}" type="datetimeFigureOut">
               <a:rPr lang="en-US" smtClean="0"/>
-              <a:t>9/16/2022</a:t>
+              <a:t>10/28/2022</a:t>
             </a:fld>
             <a:endParaRPr lang="en-US"/>
           </a:p>
@@ -1034,7 +1442,7 @@
           <a:p>
             <a:fld id="{C6769C46-BD77-9342-9387-3AA41F68BEFD}" type="datetimeFigureOut">
               <a:rPr lang="en-US" smtClean="0"/>
-              <a:t>9/16/2022</a:t>
+              <a:t>10/28/2022</a:t>
             </a:fld>
             <a:endParaRPr lang="en-US"/>
           </a:p>
@@ -1232,7 +1640,7 @@
           <a:p>
             <a:fld id="{C6769C46-BD77-9342-9387-3AA41F68BEFD}" type="datetimeFigureOut">
               <a:rPr lang="en-US" smtClean="0"/>
-              <a:t>9/16/2022</a:t>
+              <a:t>10/28/2022</a:t>
             </a:fld>
             <a:endParaRPr lang="en-US"/>
           </a:p>
@@ -1507,7 +1915,7 @@
           <a:p>
             <a:fld id="{C6769C46-BD77-9342-9387-3AA41F68BEFD}" type="datetimeFigureOut">
               <a:rPr lang="en-US" smtClean="0"/>
-              <a:t>9/16/2022</a:t>
+              <a:t>10/28/2022</a:t>
             </a:fld>
             <a:endParaRPr lang="en-US"/>
           </a:p>
@@ -1772,7 +2180,7 @@
           <a:p>
             <a:fld id="{C6769C46-BD77-9342-9387-3AA41F68BEFD}" type="datetimeFigureOut">
               <a:rPr lang="en-US" smtClean="0"/>
-              <a:t>9/16/2022</a:t>
+              <a:t>10/28/2022</a:t>
             </a:fld>
             <a:endParaRPr lang="en-US"/>
           </a:p>
@@ -2184,7 +2592,7 @@
           <a:p>
             <a:fld id="{C6769C46-BD77-9342-9387-3AA41F68BEFD}" type="datetimeFigureOut">
               <a:rPr lang="en-US" smtClean="0"/>
-              <a:t>9/16/2022</a:t>
+              <a:t>10/28/2022</a:t>
             </a:fld>
             <a:endParaRPr lang="en-US"/>
           </a:p>
@@ -2325,7 +2733,7 @@
           <a:p>
             <a:fld id="{C6769C46-BD77-9342-9387-3AA41F68BEFD}" type="datetimeFigureOut">
               <a:rPr lang="en-US" smtClean="0"/>
-              <a:t>9/16/2022</a:t>
+              <a:t>10/28/2022</a:t>
             </a:fld>
             <a:endParaRPr lang="en-US"/>
           </a:p>
@@ -2438,7 +2846,7 @@
           <a:p>
             <a:fld id="{C6769C46-BD77-9342-9387-3AA41F68BEFD}" type="datetimeFigureOut">
               <a:rPr lang="en-US" smtClean="0"/>
-              <a:t>9/16/2022</a:t>
+              <a:t>10/28/2022</a:t>
             </a:fld>
             <a:endParaRPr lang="en-US"/>
           </a:p>
@@ -2749,7 +3157,7 @@
           <a:p>
             <a:fld id="{C6769C46-BD77-9342-9387-3AA41F68BEFD}" type="datetimeFigureOut">
               <a:rPr lang="en-US" smtClean="0"/>
-              <a:t>9/16/2022</a:t>
+              <a:t>10/28/2022</a:t>
             </a:fld>
             <a:endParaRPr lang="en-US"/>
           </a:p>
@@ -3037,7 +3445,7 @@
           <a:p>
             <a:fld id="{C6769C46-BD77-9342-9387-3AA41F68BEFD}" type="datetimeFigureOut">
               <a:rPr lang="en-US" smtClean="0"/>
-              <a:t>9/16/2022</a:t>
+              <a:t>10/28/2022</a:t>
             </a:fld>
             <a:endParaRPr lang="en-US"/>
           </a:p>
@@ -3278,7 +3686,7 @@
           <a:p>
             <a:fld id="{C6769C46-BD77-9342-9387-3AA41F68BEFD}" type="datetimeFigureOut">
               <a:rPr lang="en-US" smtClean="0"/>
-              <a:t>9/16/2022</a:t>
+              <a:t>10/28/2022</a:t>
             </a:fld>
             <a:endParaRPr lang="en-US"/>
           </a:p>
@@ -6413,6 +6821,36 @@
           <a:chExt cx="0" cy="0"/>
         </a:xfrm>
       </p:grpSpPr>
+      <p:pic>
+        <p:nvPicPr>
+          <p:cNvPr id="4" name="Picture 3" descr="Chart, waterfall chart&#10;&#10;Description automatically generated">
+            <a:extLst>
+              <a:ext uri="{FF2B5EF4-FFF2-40B4-BE49-F238E27FC236}">
+                <a16:creationId xmlns:a16="http://schemas.microsoft.com/office/drawing/2014/main" id="{9180A50A-F928-83C6-FF1E-E7DC00BC63B4}"/>
+              </a:ext>
+            </a:extLst>
+          </p:cNvPr>
+          <p:cNvPicPr>
+            <a:picLocks noChangeAspect="1"/>
+          </p:cNvPicPr>
+          <p:nvPr/>
+        </p:nvPicPr>
+        <p:blipFill>
+          <a:blip r:embed="rId2"/>
+          <a:stretch>
+            <a:fillRect/>
+          </a:stretch>
+        </p:blipFill>
+        <p:spPr>
+          <a:xfrm>
+            <a:off x="6576656" y="1946949"/>
+            <a:ext cx="5652078" cy="3768052"/>
+          </a:xfrm>
+          <a:prstGeom prst="rect">
+            <a:avLst/>
+          </a:prstGeom>
+        </p:spPr>
+      </p:pic>
       <p:sp>
         <p:nvSpPr>
           <p:cNvPr id="6" name="TextBox 5">
@@ -7243,7 +7681,7 @@
                   <a:latin typeface="Arial" panose="020B0604020202020204" pitchFamily="34" charset="0"/>
                   <a:cs typeface="Arial" panose="020B0604020202020204" pitchFamily="34" charset="0"/>
                 </a:rPr>
-                <a:t> (839 µatm)             low </a:t>
+                <a:t> (839 µatm)             high </a:t>
               </a:r>
               <a:r>
                 <a:rPr lang="en-US" sz="1100" i="1" dirty="0">
@@ -7457,11 +7895,11 @@
             <p:nvPr/>
           </p:nvPicPr>
           <p:blipFill rotWithShape="1">
-            <a:blip r:embed="rId2">
+            <a:blip r:embed="rId3">
               <a:extLst>
                 <a:ext uri="{BEBA8EAE-BF5A-486C-A8C5-ECC9F3942E4B}">
                   <a14:imgProps xmlns:a14="http://schemas.microsoft.com/office/drawing/2010/main">
-                    <a14:imgLayer r:embed="rId3">
+                    <a14:imgLayer r:embed="rId4">
                       <a14:imgEffect>
                         <a14:backgroundRemoval t="33530" b="49803" l="37288" r="40777">
                           <a14:foregroundMark x1="38016" y1="34827" x2="38774" y2="33923"/>
@@ -7625,11 +8063,11 @@
             <p:nvPr/>
           </p:nvPicPr>
           <p:blipFill rotWithShape="1">
-            <a:blip r:embed="rId2">
+            <a:blip r:embed="rId3">
               <a:extLst>
                 <a:ext uri="{BEBA8EAE-BF5A-486C-A8C5-ECC9F3942E4B}">
                   <a14:imgProps xmlns:a14="http://schemas.microsoft.com/office/drawing/2010/main">
-                    <a14:imgLayer r:embed="rId3">
+                    <a14:imgLayer r:embed="rId4">
                       <a14:imgEffect>
                         <a14:backgroundRemoval t="33530" b="49803" l="37288" r="40777">
                           <a14:foregroundMark x1="38016" y1="34827" x2="38774" y2="33923"/>
@@ -7793,11 +8231,11 @@
             <p:nvPr/>
           </p:nvPicPr>
           <p:blipFill rotWithShape="1">
-            <a:blip r:embed="rId2">
+            <a:blip r:embed="rId3">
               <a:extLst>
                 <a:ext uri="{BEBA8EAE-BF5A-486C-A8C5-ECC9F3942E4B}">
                   <a14:imgProps xmlns:a14="http://schemas.microsoft.com/office/drawing/2010/main">
-                    <a14:imgLayer r:embed="rId3">
+                    <a14:imgLayer r:embed="rId4">
                       <a14:imgEffect>
                         <a14:backgroundRemoval t="33530" b="49803" l="37288" r="40777">
                           <a14:foregroundMark x1="38016" y1="34827" x2="38774" y2="33923"/>
@@ -7961,11 +8399,11 @@
             <p:nvPr/>
           </p:nvPicPr>
           <p:blipFill rotWithShape="1">
-            <a:blip r:embed="rId2">
+            <a:blip r:embed="rId3">
               <a:extLst>
                 <a:ext uri="{BEBA8EAE-BF5A-486C-A8C5-ECC9F3942E4B}">
                   <a14:imgProps xmlns:a14="http://schemas.microsoft.com/office/drawing/2010/main">
-                    <a14:imgLayer r:embed="rId3">
+                    <a14:imgLayer r:embed="rId4">
                       <a14:imgEffect>
                         <a14:backgroundRemoval t="33530" b="49803" l="37288" r="40777">
                           <a14:foregroundMark x1="38016" y1="34827" x2="38774" y2="33923"/>
@@ -8088,7 +8526,7 @@
         <p:spPr>
           <a:xfrm>
             <a:off x="1479006" y="285177"/>
-            <a:ext cx="3773255" cy="459521"/>
+            <a:ext cx="3916343" cy="459521"/>
           </a:xfrm>
           <a:prstGeom prst="rect">
             <a:avLst/>
@@ -8163,12 +8601,50 @@
           </a:p>
         </p:txBody>
       </p:sp>
+      <p:sp>
+        <p:nvSpPr>
+          <p:cNvPr id="20" name="TextBox 19">
+            <a:extLst>
+              <a:ext uri="{FF2B5EF4-FFF2-40B4-BE49-F238E27FC236}">
+                <a16:creationId xmlns:a16="http://schemas.microsoft.com/office/drawing/2014/main" id="{94C54143-FFD9-932F-48B8-2729B2F22A20}"/>
+              </a:ext>
+            </a:extLst>
+          </p:cNvPr>
+          <p:cNvSpPr txBox="1"/>
+          <p:nvPr/>
+        </p:nvSpPr>
+        <p:spPr>
+          <a:xfrm>
+            <a:off x="6052257" y="51870"/>
+            <a:ext cx="2357970" cy="369332"/>
+          </a:xfrm>
+          <a:prstGeom prst="rect">
+            <a:avLst/>
+          </a:prstGeom>
+          <a:noFill/>
+        </p:spPr>
+        <p:txBody>
+          <a:bodyPr wrap="square" rtlCol="0">
+            <a:spAutoFit/>
+          </a:bodyPr>
+          <a:lstStyle/>
+          <a:p>
+            <a:r>
+              <a:rPr lang="en-US" b="1" dirty="0">
+                <a:latin typeface="Arial" panose="020B0604020202020204" pitchFamily="34" charset="0"/>
+                <a:cs typeface="Arial" panose="020B0604020202020204" pitchFamily="34" charset="0"/>
+              </a:rPr>
+              <a:t>a</a:t>
+            </a:r>
+          </a:p>
+        </p:txBody>
+      </p:sp>
       <p:pic>
         <p:nvPicPr>
-          <p:cNvPr id="18" name="Picture 17">
-            <a:extLst>
-              <a:ext uri="{FF2B5EF4-FFF2-40B4-BE49-F238E27FC236}">
-                <a16:creationId xmlns:a16="http://schemas.microsoft.com/office/drawing/2014/main" id="{CB5FB7A3-E0E4-187E-6727-9F36CAEA03CA}"/>
+          <p:cNvPr id="87" name="Picture 86">
+            <a:extLst>
+              <a:ext uri="{FF2B5EF4-FFF2-40B4-BE49-F238E27FC236}">
+                <a16:creationId xmlns:a16="http://schemas.microsoft.com/office/drawing/2014/main" id="{1E8DDBF0-E2CD-FF1A-8459-7F2DC04DC536}"/>
               </a:ext>
             </a:extLst>
           </p:cNvPr>
@@ -8178,14 +8654,14 @@
           <p:nvPr/>
         </p:nvPicPr>
         <p:blipFill>
-          <a:blip r:embed="rId4"/>
+          <a:blip r:embed="rId5"/>
           <a:stretch>
             <a:fillRect/>
           </a:stretch>
         </p:blipFill>
         <p:spPr>
           <a:xfrm>
-            <a:off x="167565" y="3220827"/>
+            <a:off x="6163779" y="236536"/>
             <a:ext cx="6218459" cy="1505843"/>
           </a:xfrm>
           <a:prstGeom prst="rect">
@@ -8195,10 +8671,10 @@
       </p:pic>
       <p:sp>
         <p:nvSpPr>
-          <p:cNvPr id="20" name="TextBox 19">
-            <a:extLst>
-              <a:ext uri="{FF2B5EF4-FFF2-40B4-BE49-F238E27FC236}">
-                <a16:creationId xmlns:a16="http://schemas.microsoft.com/office/drawing/2014/main" id="{94C54143-FFD9-932F-48B8-2729B2F22A20}"/>
+          <p:cNvPr id="88" name="TextBox 87">
+            <a:extLst>
+              <a:ext uri="{FF2B5EF4-FFF2-40B4-BE49-F238E27FC236}">
+                <a16:creationId xmlns:a16="http://schemas.microsoft.com/office/drawing/2014/main" id="{99C70DC4-8B23-9972-9233-69BED65C90C8}"/>
               </a:ext>
             </a:extLst>
           </p:cNvPr>
@@ -8207,7 +8683,7 @@
         </p:nvSpPr>
         <p:spPr>
           <a:xfrm>
-            <a:off x="188016" y="3134399"/>
+            <a:off x="6096000" y="1916447"/>
             <a:ext cx="2357970" cy="369332"/>
           </a:xfrm>
           <a:prstGeom prst="rect">
@@ -8226,7 +8702,61 @@
                 <a:latin typeface="Arial" panose="020B0604020202020204" pitchFamily="34" charset="0"/>
                 <a:cs typeface="Arial" panose="020B0604020202020204" pitchFamily="34" charset="0"/>
               </a:rPr>
-              <a:t>A</a:t>
+              <a:t>b</a:t>
+            </a:r>
+          </a:p>
+        </p:txBody>
+      </p:sp>
+      <p:sp>
+        <p:nvSpPr>
+          <p:cNvPr id="91" name="TextBox 90">
+            <a:extLst>
+              <a:ext uri="{FF2B5EF4-FFF2-40B4-BE49-F238E27FC236}">
+                <a16:creationId xmlns:a16="http://schemas.microsoft.com/office/drawing/2014/main" id="{9F9104E7-B12E-234A-A65C-1FD50111647A}"/>
+              </a:ext>
+            </a:extLst>
+          </p:cNvPr>
+          <p:cNvSpPr txBox="1"/>
+          <p:nvPr/>
+        </p:nvSpPr>
+        <p:spPr>
+          <a:xfrm>
+            <a:off x="7231242" y="4576687"/>
+            <a:ext cx="2159000" cy="461665"/>
+          </a:xfrm>
+          <a:prstGeom prst="rect">
+            <a:avLst/>
+          </a:prstGeom>
+          <a:noFill/>
+        </p:spPr>
+        <p:txBody>
+          <a:bodyPr wrap="square" rtlCol="0">
+            <a:spAutoFit/>
+          </a:bodyPr>
+          <a:lstStyle/>
+          <a:p>
+            <a:r>
+              <a:rPr lang="en-US" sz="1200" i="1" dirty="0">
+                <a:latin typeface="Arial" panose="020B0604020202020204" pitchFamily="34" charset="0"/>
+                <a:cs typeface="Arial" panose="020B0604020202020204" pitchFamily="34" charset="0"/>
+              </a:rPr>
+              <a:t>P </a:t>
+            </a:r>
+            <a:r>
+              <a:rPr lang="en-US" sz="1200" dirty="0">
+                <a:latin typeface="Arial" panose="020B0604020202020204" pitchFamily="34" charset="0"/>
+                <a:cs typeface="Arial" panose="020B0604020202020204" pitchFamily="34" charset="0"/>
+              </a:rPr>
+              <a:t>= 0.0009</a:t>
+            </a:r>
+          </a:p>
+          <a:p>
+            <a:r>
+              <a:rPr lang="en-US" sz="1200" dirty="0">
+                <a:latin typeface="Arial" panose="020B0604020202020204" pitchFamily="34" charset="0"/>
+                <a:cs typeface="Arial" panose="020B0604020202020204" pitchFamily="34" charset="0"/>
+              </a:rPr>
+              <a:t>risk ratio = 12.09</a:t>
             </a:r>
           </a:p>
         </p:txBody>
@@ -8241,13 +8771,13 @@
   <p:clrMapOvr>
     <a:masterClrMapping/>
   </p:clrMapOvr>
-  <mc:AlternateContent xmlns:mc="http://schemas.openxmlformats.org/markup-compatibility/2006">
-    <mc:Choice xmlns:p14="http://schemas.microsoft.com/office/powerpoint/2010/main" Requires="p14">
+  <mc:AlternateContent xmlns:mc="http://schemas.openxmlformats.org/markup-compatibility/2006" xmlns:p14="http://schemas.microsoft.com/office/powerpoint/2010/main">
+    <mc:Choice Requires="p14">
       <p:transition spd="med" p14:dur="700">
         <p:fade/>
       </p:transition>
     </mc:Choice>
-    <mc:Fallback>
+    <mc:Fallback xmlns="">
       <p:transition spd="med">
         <p:fade/>
       </p:transition>

--- a/exp_design/Exp_timeline.pptx
+++ b/exp_design/Exp_timeline.pptx
@@ -128,7 +128,7 @@
 <file path=ppt/revisionInfo.xml><?xml version="1.0" encoding="utf-8"?>
 <p1510:revInfo xmlns:a="http://schemas.openxmlformats.org/drawingml/2006/main" xmlns:r="http://schemas.openxmlformats.org/officeDocument/2006/relationships" xmlns:p1510="http://schemas.microsoft.com/office/powerpoint/2015/10/main">
   <p1510:revLst>
-    <p1510:client id="{0F3B0580-BAF3-4688-9917-B85C6A34B497}" v="1" dt="2022-10-28T16:08:01.014"/>
+    <p1510:client id="{B8BC54F5-0D7E-4A8C-8281-09B92D4C297B}" v="4" dt="2023-04-06T17:49:54.092"/>
   </p1510:revLst>
 </p1510:revInfo>
 </file>
@@ -886,6 +886,30 @@
       </pc:sldChg>
     </pc:docChg>
   </pc:docChgLst>
+  <pc:docChgLst>
+    <pc:chgData name="Shelly Wanamaker" userId="cd0df884-05c1-481b-a1f7-883604879bba" providerId="ADAL" clId="{B8BC54F5-0D7E-4A8C-8281-09B92D4C297B}"/>
+    <pc:docChg chg="modSld">
+      <pc:chgData name="Shelly Wanamaker" userId="cd0df884-05c1-481b-a1f7-883604879bba" providerId="ADAL" clId="{B8BC54F5-0D7E-4A8C-8281-09B92D4C297B}" dt="2023-04-06T17:49:54.076" v="3" actId="14100"/>
+      <pc:docMkLst>
+        <pc:docMk/>
+      </pc:docMkLst>
+      <pc:sldChg chg="addSp modSp">
+        <pc:chgData name="Shelly Wanamaker" userId="cd0df884-05c1-481b-a1f7-883604879bba" providerId="ADAL" clId="{B8BC54F5-0D7E-4A8C-8281-09B92D4C297B}" dt="2023-04-06T17:49:54.076" v="3" actId="14100"/>
+        <pc:sldMkLst>
+          <pc:docMk/>
+          <pc:sldMk cId="3727590823" sldId="258"/>
+        </pc:sldMkLst>
+        <pc:picChg chg="add mod">
+          <ac:chgData name="Shelly Wanamaker" userId="cd0df884-05c1-481b-a1f7-883604879bba" providerId="ADAL" clId="{B8BC54F5-0D7E-4A8C-8281-09B92D4C297B}" dt="2023-04-06T17:49:54.076" v="3" actId="14100"/>
+          <ac:picMkLst>
+            <pc:docMk/>
+            <pc:sldMk cId="3727590823" sldId="258"/>
+            <ac:picMk id="1026" creationId="{03F1B570-C7AF-ED76-673C-4440049A8A80}"/>
+          </ac:picMkLst>
+        </pc:picChg>
+      </pc:sldChg>
+    </pc:docChg>
+  </pc:docChgLst>
 </pc:chgInfo>
 </file>
 
@@ -1036,7 +1060,7 @@
           <a:p>
             <a:fld id="{C6769C46-BD77-9342-9387-3AA41F68BEFD}" type="datetimeFigureOut">
               <a:rPr lang="en-US" smtClean="0"/>
-              <a:t>10/28/2022</a:t>
+              <a:t>4/6/2023</a:t>
             </a:fld>
             <a:endParaRPr lang="en-US"/>
           </a:p>
@@ -1234,7 +1258,7 @@
           <a:p>
             <a:fld id="{C6769C46-BD77-9342-9387-3AA41F68BEFD}" type="datetimeFigureOut">
               <a:rPr lang="en-US" smtClean="0"/>
-              <a:t>10/28/2022</a:t>
+              <a:t>4/6/2023</a:t>
             </a:fld>
             <a:endParaRPr lang="en-US"/>
           </a:p>
@@ -1442,7 +1466,7 @@
           <a:p>
             <a:fld id="{C6769C46-BD77-9342-9387-3AA41F68BEFD}" type="datetimeFigureOut">
               <a:rPr lang="en-US" smtClean="0"/>
-              <a:t>10/28/2022</a:t>
+              <a:t>4/6/2023</a:t>
             </a:fld>
             <a:endParaRPr lang="en-US"/>
           </a:p>
@@ -1640,7 +1664,7 @@
           <a:p>
             <a:fld id="{C6769C46-BD77-9342-9387-3AA41F68BEFD}" type="datetimeFigureOut">
               <a:rPr lang="en-US" smtClean="0"/>
-              <a:t>10/28/2022</a:t>
+              <a:t>4/6/2023</a:t>
             </a:fld>
             <a:endParaRPr lang="en-US"/>
           </a:p>
@@ -1915,7 +1939,7 @@
           <a:p>
             <a:fld id="{C6769C46-BD77-9342-9387-3AA41F68BEFD}" type="datetimeFigureOut">
               <a:rPr lang="en-US" smtClean="0"/>
-              <a:t>10/28/2022</a:t>
+              <a:t>4/6/2023</a:t>
             </a:fld>
             <a:endParaRPr lang="en-US"/>
           </a:p>
@@ -2180,7 +2204,7 @@
           <a:p>
             <a:fld id="{C6769C46-BD77-9342-9387-3AA41F68BEFD}" type="datetimeFigureOut">
               <a:rPr lang="en-US" smtClean="0"/>
-              <a:t>10/28/2022</a:t>
+              <a:t>4/6/2023</a:t>
             </a:fld>
             <a:endParaRPr lang="en-US"/>
           </a:p>
@@ -2592,7 +2616,7 @@
           <a:p>
             <a:fld id="{C6769C46-BD77-9342-9387-3AA41F68BEFD}" type="datetimeFigureOut">
               <a:rPr lang="en-US" smtClean="0"/>
-              <a:t>10/28/2022</a:t>
+              <a:t>4/6/2023</a:t>
             </a:fld>
             <a:endParaRPr lang="en-US"/>
           </a:p>
@@ -2733,7 +2757,7 @@
           <a:p>
             <a:fld id="{C6769C46-BD77-9342-9387-3AA41F68BEFD}" type="datetimeFigureOut">
               <a:rPr lang="en-US" smtClean="0"/>
-              <a:t>10/28/2022</a:t>
+              <a:t>4/6/2023</a:t>
             </a:fld>
             <a:endParaRPr lang="en-US"/>
           </a:p>
@@ -2846,7 +2870,7 @@
           <a:p>
             <a:fld id="{C6769C46-BD77-9342-9387-3AA41F68BEFD}" type="datetimeFigureOut">
               <a:rPr lang="en-US" smtClean="0"/>
-              <a:t>10/28/2022</a:t>
+              <a:t>4/6/2023</a:t>
             </a:fld>
             <a:endParaRPr lang="en-US"/>
           </a:p>
@@ -3157,7 +3181,7 @@
           <a:p>
             <a:fld id="{C6769C46-BD77-9342-9387-3AA41F68BEFD}" type="datetimeFigureOut">
               <a:rPr lang="en-US" smtClean="0"/>
-              <a:t>10/28/2022</a:t>
+              <a:t>4/6/2023</a:t>
             </a:fld>
             <a:endParaRPr lang="en-US"/>
           </a:p>
@@ -3445,7 +3469,7 @@
           <a:p>
             <a:fld id="{C6769C46-BD77-9342-9387-3AA41F68BEFD}" type="datetimeFigureOut">
               <a:rPr lang="en-US" smtClean="0"/>
-              <a:t>10/28/2022</a:t>
+              <a:t>4/6/2023</a:t>
             </a:fld>
             <a:endParaRPr lang="en-US"/>
           </a:p>
@@ -3686,7 +3710,7 @@
           <a:p>
             <a:fld id="{C6769C46-BD77-9342-9387-3AA41F68BEFD}" type="datetimeFigureOut">
               <a:rPr lang="en-US" smtClean="0"/>
-              <a:t>10/28/2022</a:t>
+              <a:t>4/6/2023</a:t>
             </a:fld>
             <a:endParaRPr lang="en-US"/>
           </a:p>
@@ -8803,6 +8827,53 @@
           <a:chExt cx="0" cy="0"/>
         </a:xfrm>
       </p:grpSpPr>
+      <p:pic>
+        <p:nvPicPr>
+          <p:cNvPr id="1026" name="Picture 2">
+            <a:extLst>
+              <a:ext uri="{FF2B5EF4-FFF2-40B4-BE49-F238E27FC236}">
+                <a16:creationId xmlns:a16="http://schemas.microsoft.com/office/drawing/2014/main" id="{03F1B570-C7AF-ED76-673C-4440049A8A80}"/>
+              </a:ext>
+            </a:extLst>
+          </p:cNvPr>
+          <p:cNvPicPr>
+            <a:picLocks noChangeAspect="1" noChangeArrowheads="1"/>
+          </p:cNvPicPr>
+          <p:nvPr/>
+        </p:nvPicPr>
+        <p:blipFill>
+          <a:blip r:embed="rId2">
+            <a:extLst>
+              <a:ext uri="{28A0092B-C50C-407E-A947-70E740481C1C}">
+                <a14:useLocalDpi xmlns:a14="http://schemas.microsoft.com/office/drawing/2010/main" val="0"/>
+              </a:ext>
+            </a:extLst>
+          </a:blip>
+          <a:srcRect/>
+          <a:stretch>
+            <a:fillRect/>
+          </a:stretch>
+        </p:blipFill>
+        <p:spPr bwMode="auto">
+          <a:xfrm>
+            <a:off x="1322173" y="1261893"/>
+            <a:ext cx="8254313" cy="4008103"/>
+          </a:xfrm>
+          <a:prstGeom prst="rect">
+            <a:avLst/>
+          </a:prstGeom>
+          <a:noFill/>
+          <a:extLst>
+            <a:ext uri="{909E8E84-426E-40DD-AFC4-6F175D3DCCD1}">
+              <a14:hiddenFill xmlns:a14="http://schemas.microsoft.com/office/drawing/2010/main">
+                <a:solidFill>
+                  <a:srgbClr val="FFFFFF"/>
+                </a:solidFill>
+              </a14:hiddenFill>
+            </a:ext>
+          </a:extLst>
+        </p:spPr>
+      </p:pic>
     </p:spTree>
     <p:extLst>
       <p:ext uri="{BB962C8B-B14F-4D97-AF65-F5344CB8AC3E}">

--- a/exp_design/Exp_timeline.pptx
+++ b/exp_design/Exp_timeline.pptx
@@ -128,7 +128,7 @@
 <file path=ppt/revisionInfo.xml><?xml version="1.0" encoding="utf-8"?>
 <p1510:revInfo xmlns:a="http://schemas.openxmlformats.org/drawingml/2006/main" xmlns:r="http://schemas.openxmlformats.org/officeDocument/2006/relationships" xmlns:p1510="http://schemas.microsoft.com/office/powerpoint/2015/10/main">
   <p1510:revLst>
-    <p1510:client id="{B8BC54F5-0D7E-4A8C-8281-09B92D4C297B}" v="4" dt="2023-04-06T17:49:54.092"/>
+    <p1510:client id="{B8BC54F5-0D7E-4A8C-8281-09B92D4C297B}" v="14" dt="2023-04-06T17:57:00.634"/>
   </p1510:revLst>
 </p1510:revInfo>
 </file>
@@ -888,19 +888,35 @@
   </pc:docChgLst>
   <pc:docChgLst>
     <pc:chgData name="Shelly Wanamaker" userId="cd0df884-05c1-481b-a1f7-883604879bba" providerId="ADAL" clId="{B8BC54F5-0D7E-4A8C-8281-09B92D4C297B}"/>
-    <pc:docChg chg="modSld">
-      <pc:chgData name="Shelly Wanamaker" userId="cd0df884-05c1-481b-a1f7-883604879bba" providerId="ADAL" clId="{B8BC54F5-0D7E-4A8C-8281-09B92D4C297B}" dt="2023-04-06T17:49:54.076" v="3" actId="14100"/>
+    <pc:docChg chg="custSel modSld">
+      <pc:chgData name="Shelly Wanamaker" userId="cd0df884-05c1-481b-a1f7-883604879bba" providerId="ADAL" clId="{B8BC54F5-0D7E-4A8C-8281-09B92D4C297B}" dt="2023-04-06T17:57:00.630" v="31" actId="732"/>
       <pc:docMkLst>
         <pc:docMk/>
       </pc:docMkLst>
-      <pc:sldChg chg="addSp modSp">
-        <pc:chgData name="Shelly Wanamaker" userId="cd0df884-05c1-481b-a1f7-883604879bba" providerId="ADAL" clId="{B8BC54F5-0D7E-4A8C-8281-09B92D4C297B}" dt="2023-04-06T17:49:54.076" v="3" actId="14100"/>
+      <pc:sldChg chg="addSp delSp modSp mod">
+        <pc:chgData name="Shelly Wanamaker" userId="cd0df884-05c1-481b-a1f7-883604879bba" providerId="ADAL" clId="{B8BC54F5-0D7E-4A8C-8281-09B92D4C297B}" dt="2023-04-06T17:57:00.630" v="31" actId="732"/>
         <pc:sldMkLst>
           <pc:docMk/>
           <pc:sldMk cId="3727590823" sldId="258"/>
         </pc:sldMkLst>
+        <pc:picChg chg="add del mod">
+          <ac:chgData name="Shelly Wanamaker" userId="cd0df884-05c1-481b-a1f7-883604879bba" providerId="ADAL" clId="{B8BC54F5-0D7E-4A8C-8281-09B92D4C297B}" dt="2023-04-06T17:52:04.329" v="9" actId="478"/>
+          <ac:picMkLst>
+            <pc:docMk/>
+            <pc:sldMk cId="3727590823" sldId="258"/>
+            <ac:picMk id="3" creationId="{A1082D72-F7DB-0D3E-06FF-9CC7AF91E0FB}"/>
+          </ac:picMkLst>
+        </pc:picChg>
+        <pc:picChg chg="add mod modCrop">
+          <ac:chgData name="Shelly Wanamaker" userId="cd0df884-05c1-481b-a1f7-883604879bba" providerId="ADAL" clId="{B8BC54F5-0D7E-4A8C-8281-09B92D4C297B}" dt="2023-04-06T17:56:26.920" v="28" actId="732"/>
+          <ac:picMkLst>
+            <pc:docMk/>
+            <pc:sldMk cId="3727590823" sldId="258"/>
+            <ac:picMk id="5" creationId="{3FE2721C-F939-FB4D-ADF2-12F3D3737EF1}"/>
+          </ac:picMkLst>
+        </pc:picChg>
         <pc:picChg chg="add mod">
-          <ac:chgData name="Shelly Wanamaker" userId="cd0df884-05c1-481b-a1f7-883604879bba" providerId="ADAL" clId="{B8BC54F5-0D7E-4A8C-8281-09B92D4C297B}" dt="2023-04-06T17:49:54.076" v="3" actId="14100"/>
+          <ac:chgData name="Shelly Wanamaker" userId="cd0df884-05c1-481b-a1f7-883604879bba" providerId="ADAL" clId="{B8BC54F5-0D7E-4A8C-8281-09B92D4C297B}" dt="2023-04-06T17:57:00.630" v="31" actId="732"/>
           <ac:picMkLst>
             <pc:docMk/>
             <pc:sldMk cId="3727590823" sldId="258"/>
@@ -8841,7 +8857,7 @@
           </p:cNvPicPr>
           <p:nvPr/>
         </p:nvPicPr>
-        <p:blipFill>
+        <p:blipFill rotWithShape="1">
           <a:blip r:embed="rId2">
             <a:extLst>
               <a:ext uri="{28A0092B-C50C-407E-A947-70E740481C1C}">
@@ -8849,15 +8865,13 @@
               </a:ext>
             </a:extLst>
           </a:blip>
-          <a:srcRect/>
-          <a:stretch>
-            <a:fillRect/>
-          </a:stretch>
+          <a:srcRect l="-1" r="-27"/>
+          <a:stretch/>
         </p:blipFill>
         <p:spPr bwMode="auto">
           <a:xfrm>
-            <a:off x="1322173" y="1261893"/>
-            <a:ext cx="8254313" cy="4008103"/>
+            <a:off x="-1" y="0"/>
+            <a:ext cx="12625331" cy="6128951"/>
           </a:xfrm>
           <a:prstGeom prst="rect">
             <a:avLst/>
@@ -8872,6 +8886,35 @@
               </a14:hiddenFill>
             </a:ext>
           </a:extLst>
+        </p:spPr>
+      </p:pic>
+      <p:pic>
+        <p:nvPicPr>
+          <p:cNvPr id="5" name="Picture 4" descr="Chart, box and whisker chart&#10;&#10;Description automatically generated">
+            <a:extLst>
+              <a:ext uri="{FF2B5EF4-FFF2-40B4-BE49-F238E27FC236}">
+                <a16:creationId xmlns:a16="http://schemas.microsoft.com/office/drawing/2014/main" id="{3FE2721C-F939-FB4D-ADF2-12F3D3737EF1}"/>
+              </a:ext>
+            </a:extLst>
+          </p:cNvPr>
+          <p:cNvPicPr>
+            <a:picLocks noChangeAspect="1"/>
+          </p:cNvPicPr>
+          <p:nvPr/>
+        </p:nvPicPr>
+        <p:blipFill rotWithShape="1">
+          <a:blip r:embed="rId3"/>
+          <a:srcRect t="808" b="3572"/>
+          <a:stretch/>
+        </p:blipFill>
+        <p:spPr>
+          <a:xfrm>
+            <a:off x="5984788" y="49427"/>
+            <a:ext cx="6112475" cy="5844746"/>
+          </a:xfrm>
+          <a:prstGeom prst="rect">
+            <a:avLst/>
+          </a:prstGeom>
         </p:spPr>
       </p:pic>
     </p:spTree>

--- a/exp_design/Exp_timeline.pptx
+++ b/exp_design/Exp_timeline.pptx
@@ -888,11 +888,50 @@
   </pc:docChgLst>
   <pc:docChgLst>
     <pc:chgData name="Shelly Wanamaker" userId="cd0df884-05c1-481b-a1f7-883604879bba" providerId="ADAL" clId="{B8BC54F5-0D7E-4A8C-8281-09B92D4C297B}"/>
-    <pc:docChg chg="custSel modSld">
-      <pc:chgData name="Shelly Wanamaker" userId="cd0df884-05c1-481b-a1f7-883604879bba" providerId="ADAL" clId="{B8BC54F5-0D7E-4A8C-8281-09B92D4C297B}" dt="2023-04-06T17:57:00.630" v="31" actId="732"/>
+    <pc:docChg chg="undo redo custSel modSld">
+      <pc:chgData name="Shelly Wanamaker" userId="cd0df884-05c1-481b-a1f7-883604879bba" providerId="ADAL" clId="{B8BC54F5-0D7E-4A8C-8281-09B92D4C297B}" dt="2023-04-07T14:04:37.363" v="101" actId="1037"/>
       <pc:docMkLst>
         <pc:docMk/>
       </pc:docMkLst>
+      <pc:sldChg chg="modSp mod">
+        <pc:chgData name="Shelly Wanamaker" userId="cd0df884-05c1-481b-a1f7-883604879bba" providerId="ADAL" clId="{B8BC54F5-0D7E-4A8C-8281-09B92D4C297B}" dt="2023-04-07T14:04:37.363" v="101" actId="1037"/>
+        <pc:sldMkLst>
+          <pc:docMk/>
+          <pc:sldMk cId="1547926668" sldId="257"/>
+        </pc:sldMkLst>
+        <pc:spChg chg="mod">
+          <ac:chgData name="Shelly Wanamaker" userId="cd0df884-05c1-481b-a1f7-883604879bba" providerId="ADAL" clId="{B8BC54F5-0D7E-4A8C-8281-09B92D4C297B}" dt="2023-04-07T14:04:37.363" v="101" actId="1037"/>
+          <ac:spMkLst>
+            <pc:docMk/>
+            <pc:sldMk cId="1547926668" sldId="257"/>
+            <ac:spMk id="11" creationId="{5F09D3C5-8C1E-0D30-F154-93F626FD35DA}"/>
+          </ac:spMkLst>
+        </pc:spChg>
+        <pc:spChg chg="mod">
+          <ac:chgData name="Shelly Wanamaker" userId="cd0df884-05c1-481b-a1f7-883604879bba" providerId="ADAL" clId="{B8BC54F5-0D7E-4A8C-8281-09B92D4C297B}" dt="2023-04-07T14:04:37.363" v="101" actId="1037"/>
+          <ac:spMkLst>
+            <pc:docMk/>
+            <pc:sldMk cId="1547926668" sldId="257"/>
+            <ac:spMk id="13" creationId="{41C747D1-C41D-744B-9B6D-30328B189B0D}"/>
+          </ac:spMkLst>
+        </pc:spChg>
+        <pc:spChg chg="mod">
+          <ac:chgData name="Shelly Wanamaker" userId="cd0df884-05c1-481b-a1f7-883604879bba" providerId="ADAL" clId="{B8BC54F5-0D7E-4A8C-8281-09B92D4C297B}" dt="2023-04-07T14:04:11.886" v="76" actId="20577"/>
+          <ac:spMkLst>
+            <pc:docMk/>
+            <pc:sldMk cId="1547926668" sldId="257"/>
+            <ac:spMk id="14" creationId="{04FD96B4-E991-9B46-BB9C-1EBF11F46A86}"/>
+          </ac:spMkLst>
+        </pc:spChg>
+        <pc:grpChg chg="mod">
+          <ac:chgData name="Shelly Wanamaker" userId="cd0df884-05c1-481b-a1f7-883604879bba" providerId="ADAL" clId="{B8BC54F5-0D7E-4A8C-8281-09B92D4C297B}" dt="2023-04-07T14:04:37.363" v="101" actId="1037"/>
+          <ac:grpSpMkLst>
+            <pc:docMk/>
+            <pc:sldMk cId="1547926668" sldId="257"/>
+            <ac:grpSpMk id="51" creationId="{3D347063-4010-0345-9412-1B1ACA14A4F6}"/>
+          </ac:grpSpMkLst>
+        </pc:grpChg>
+      </pc:sldChg>
       <pc:sldChg chg="addSp delSp modSp mod">
         <pc:chgData name="Shelly Wanamaker" userId="cd0df884-05c1-481b-a1f7-883604879bba" providerId="ADAL" clId="{B8BC54F5-0D7E-4A8C-8281-09B92D4C297B}" dt="2023-04-06T17:57:00.630" v="31" actId="732"/>
         <pc:sldMkLst>
@@ -1076,7 +1115,7 @@
           <a:p>
             <a:fld id="{C6769C46-BD77-9342-9387-3AA41F68BEFD}" type="datetimeFigureOut">
               <a:rPr lang="en-US" smtClean="0"/>
-              <a:t>4/6/2023</a:t>
+              <a:t>4/7/2023</a:t>
             </a:fld>
             <a:endParaRPr lang="en-US"/>
           </a:p>
@@ -1274,7 +1313,7 @@
           <a:p>
             <a:fld id="{C6769C46-BD77-9342-9387-3AA41F68BEFD}" type="datetimeFigureOut">
               <a:rPr lang="en-US" smtClean="0"/>
-              <a:t>4/6/2023</a:t>
+              <a:t>4/7/2023</a:t>
             </a:fld>
             <a:endParaRPr lang="en-US"/>
           </a:p>
@@ -1482,7 +1521,7 @@
           <a:p>
             <a:fld id="{C6769C46-BD77-9342-9387-3AA41F68BEFD}" type="datetimeFigureOut">
               <a:rPr lang="en-US" smtClean="0"/>
-              <a:t>4/6/2023</a:t>
+              <a:t>4/7/2023</a:t>
             </a:fld>
             <a:endParaRPr lang="en-US"/>
           </a:p>
@@ -1680,7 +1719,7 @@
           <a:p>
             <a:fld id="{C6769C46-BD77-9342-9387-3AA41F68BEFD}" type="datetimeFigureOut">
               <a:rPr lang="en-US" smtClean="0"/>
-              <a:t>4/6/2023</a:t>
+              <a:t>4/7/2023</a:t>
             </a:fld>
             <a:endParaRPr lang="en-US"/>
           </a:p>
@@ -1955,7 +1994,7 @@
           <a:p>
             <a:fld id="{C6769C46-BD77-9342-9387-3AA41F68BEFD}" type="datetimeFigureOut">
               <a:rPr lang="en-US" smtClean="0"/>
-              <a:t>4/6/2023</a:t>
+              <a:t>4/7/2023</a:t>
             </a:fld>
             <a:endParaRPr lang="en-US"/>
           </a:p>
@@ -2220,7 +2259,7 @@
           <a:p>
             <a:fld id="{C6769C46-BD77-9342-9387-3AA41F68BEFD}" type="datetimeFigureOut">
               <a:rPr lang="en-US" smtClean="0"/>
-              <a:t>4/6/2023</a:t>
+              <a:t>4/7/2023</a:t>
             </a:fld>
             <a:endParaRPr lang="en-US"/>
           </a:p>
@@ -2632,7 +2671,7 @@
           <a:p>
             <a:fld id="{C6769C46-BD77-9342-9387-3AA41F68BEFD}" type="datetimeFigureOut">
               <a:rPr lang="en-US" smtClean="0"/>
-              <a:t>4/6/2023</a:t>
+              <a:t>4/7/2023</a:t>
             </a:fld>
             <a:endParaRPr lang="en-US"/>
           </a:p>
@@ -2773,7 +2812,7 @@
           <a:p>
             <a:fld id="{C6769C46-BD77-9342-9387-3AA41F68BEFD}" type="datetimeFigureOut">
               <a:rPr lang="en-US" smtClean="0"/>
-              <a:t>4/6/2023</a:t>
+              <a:t>4/7/2023</a:t>
             </a:fld>
             <a:endParaRPr lang="en-US"/>
           </a:p>
@@ -2886,7 +2925,7 @@
           <a:p>
             <a:fld id="{C6769C46-BD77-9342-9387-3AA41F68BEFD}" type="datetimeFigureOut">
               <a:rPr lang="en-US" smtClean="0"/>
-              <a:t>4/6/2023</a:t>
+              <a:t>4/7/2023</a:t>
             </a:fld>
             <a:endParaRPr lang="en-US"/>
           </a:p>
@@ -3197,7 +3236,7 @@
           <a:p>
             <a:fld id="{C6769C46-BD77-9342-9387-3AA41F68BEFD}" type="datetimeFigureOut">
               <a:rPr lang="en-US" smtClean="0"/>
-              <a:t>4/6/2023</a:t>
+              <a:t>4/7/2023</a:t>
             </a:fld>
             <a:endParaRPr lang="en-US"/>
           </a:p>
@@ -3485,7 +3524,7 @@
           <a:p>
             <a:fld id="{C6769C46-BD77-9342-9387-3AA41F68BEFD}" type="datetimeFigureOut">
               <a:rPr lang="en-US" smtClean="0"/>
-              <a:t>4/6/2023</a:t>
+              <a:t>4/7/2023</a:t>
             </a:fld>
             <a:endParaRPr lang="en-US"/>
           </a:p>
@@ -3726,7 +3765,7 @@
           <a:p>
             <a:fld id="{C6769C46-BD77-9342-9387-3AA41F68BEFD}" type="datetimeFigureOut">
               <a:rPr lang="en-US" smtClean="0"/>
-              <a:t>4/6/2023</a:t>
+              <a:t>4/7/2023</a:t>
             </a:fld>
             <a:endParaRPr lang="en-US"/>
           </a:p>
@@ -7654,10 +7693,10 @@
         </p:nvGrpSpPr>
         <p:grpSpPr>
           <a:xfrm>
-            <a:off x="1529469" y="464894"/>
-            <a:ext cx="3910664" cy="261610"/>
+            <a:off x="1331163" y="387775"/>
+            <a:ext cx="4160210" cy="261610"/>
             <a:chOff x="3393560" y="2046521"/>
-            <a:chExt cx="3153921" cy="261610"/>
+            <a:chExt cx="3355178" cy="261610"/>
           </a:xfrm>
         </p:grpSpPr>
         <p:sp>
@@ -7675,7 +7714,7 @@
           <p:spPr>
             <a:xfrm>
               <a:off x="3504379" y="2046521"/>
-              <a:ext cx="3043102" cy="261610"/>
+              <a:ext cx="3244359" cy="261610"/>
             </a:xfrm>
             <a:prstGeom prst="rect">
               <a:avLst/>
@@ -7721,7 +7760,7 @@
                   <a:latin typeface="Arial" panose="020B0604020202020204" pitchFamily="34" charset="0"/>
                   <a:cs typeface="Arial" panose="020B0604020202020204" pitchFamily="34" charset="0"/>
                 </a:rPr>
-                <a:t> (839 µatm)             high </a:t>
+                <a:t> (839 µatm)            elevated </a:t>
               </a:r>
               <a:r>
                 <a:rPr lang="en-US" sz="1100" i="1" dirty="0">
@@ -8565,8 +8604,8 @@
         </p:nvSpPr>
         <p:spPr>
           <a:xfrm>
-            <a:off x="1479006" y="285177"/>
-            <a:ext cx="3916343" cy="459521"/>
+            <a:off x="1280700" y="208058"/>
+            <a:ext cx="4081604" cy="459521"/>
           </a:xfrm>
           <a:prstGeom prst="rect">
             <a:avLst/>
@@ -8617,7 +8656,7 @@
         </p:nvSpPr>
         <p:spPr>
           <a:xfrm>
-            <a:off x="2859854" y="236536"/>
+            <a:off x="2793752" y="170434"/>
             <a:ext cx="833883" cy="276999"/>
           </a:xfrm>
           <a:prstGeom prst="rect">
